--- a/Image Compression with Neural Networks.pptx
+++ b/Image Compression with Neural Networks.pptx
@@ -6,17 +6,20 @@
   </p:sldMasterIdLst>
   <p:sldIdLst>
     <p:sldId id="256" r:id="rId2"/>
-    <p:sldId id="258" r:id="rId3"/>
-    <p:sldId id="259" r:id="rId4"/>
-    <p:sldId id="260" r:id="rId5"/>
-    <p:sldId id="261" r:id="rId6"/>
-    <p:sldId id="262" r:id="rId7"/>
-    <p:sldId id="263" r:id="rId8"/>
-    <p:sldId id="264" r:id="rId9"/>
-    <p:sldId id="265" r:id="rId10"/>
-    <p:sldId id="266" r:id="rId11"/>
-    <p:sldId id="267" r:id="rId12"/>
-    <p:sldId id="268" r:id="rId13"/>
+    <p:sldId id="269" r:id="rId3"/>
+    <p:sldId id="258" r:id="rId4"/>
+    <p:sldId id="259" r:id="rId5"/>
+    <p:sldId id="260" r:id="rId6"/>
+    <p:sldId id="261" r:id="rId7"/>
+    <p:sldId id="262" r:id="rId8"/>
+    <p:sldId id="263" r:id="rId9"/>
+    <p:sldId id="271" r:id="rId10"/>
+    <p:sldId id="264" r:id="rId11"/>
+    <p:sldId id="270" r:id="rId12"/>
+    <p:sldId id="265" r:id="rId13"/>
+    <p:sldId id="266" r:id="rId14"/>
+    <p:sldId id="267" r:id="rId15"/>
+    <p:sldId id="268" r:id="rId16"/>
   </p:sldIdLst>
   <p:sldSz cx="9144000" cy="6858000" type="screen4x3"/>
   <p:notesSz cx="6858000" cy="9144000"/>
@@ -115,6 +118,22 @@
       </a:defRPr>
     </a:lvl9pPr>
   </p:defaultTextStyle>
+  <p:extLst>
+    <p:ext uri="{EFAFB233-063F-42B5-8137-9DF3F51BA10A}">
+      <p15:sldGuideLst xmlns:p15="http://schemas.microsoft.com/office/powerpoint/2012/main">
+        <p15:guide id="1" orient="horz" pos="2160">
+          <p15:clr>
+            <a:srgbClr val="A4A3A4"/>
+          </p15:clr>
+        </p15:guide>
+        <p15:guide id="2" pos="2880">
+          <p15:clr>
+            <a:srgbClr val="A4A3A4"/>
+          </p15:clr>
+        </p15:guide>
+      </p15:sldGuideLst>
+    </p:ext>
+  </p:extLst>
 </p:presentation>
 </file>
 
@@ -299,7 +318,7 @@
           <a:p>
             <a:fld id="{81F02B84-2724-4998-9FA1-23616E67724A}" type="datetimeFigureOut">
               <a:rPr lang="ru-RU" smtClean="0"/>
-              <a:t>15.10.2016</a:t>
+              <a:t>17.10.2016</a:t>
             </a:fld>
             <a:endParaRPr lang="ru-RU"/>
           </a:p>
@@ -464,7 +483,7 @@
           <a:p>
             <a:fld id="{81F02B84-2724-4998-9FA1-23616E67724A}" type="datetimeFigureOut">
               <a:rPr lang="ru-RU" smtClean="0"/>
-              <a:t>15.10.2016</a:t>
+              <a:t>17.10.2016</a:t>
             </a:fld>
             <a:endParaRPr lang="ru-RU"/>
           </a:p>
@@ -639,7 +658,7 @@
           <a:p>
             <a:fld id="{81F02B84-2724-4998-9FA1-23616E67724A}" type="datetimeFigureOut">
               <a:rPr lang="ru-RU" smtClean="0"/>
-              <a:t>15.10.2016</a:t>
+              <a:t>17.10.2016</a:t>
             </a:fld>
             <a:endParaRPr lang="ru-RU"/>
           </a:p>
@@ -804,7 +823,7 @@
           <a:p>
             <a:fld id="{81F02B84-2724-4998-9FA1-23616E67724A}" type="datetimeFigureOut">
               <a:rPr lang="ru-RU" smtClean="0"/>
-              <a:t>15.10.2016</a:t>
+              <a:t>17.10.2016</a:t>
             </a:fld>
             <a:endParaRPr lang="ru-RU"/>
           </a:p>
@@ -1045,7 +1064,7 @@
           <a:p>
             <a:fld id="{81F02B84-2724-4998-9FA1-23616E67724A}" type="datetimeFigureOut">
               <a:rPr lang="ru-RU" smtClean="0"/>
-              <a:t>15.10.2016</a:t>
+              <a:t>17.10.2016</a:t>
             </a:fld>
             <a:endParaRPr lang="ru-RU"/>
           </a:p>
@@ -1328,7 +1347,7 @@
           <a:p>
             <a:fld id="{81F02B84-2724-4998-9FA1-23616E67724A}" type="datetimeFigureOut">
               <a:rPr lang="ru-RU" smtClean="0"/>
-              <a:t>15.10.2016</a:t>
+              <a:t>17.10.2016</a:t>
             </a:fld>
             <a:endParaRPr lang="ru-RU"/>
           </a:p>
@@ -1745,7 +1764,7 @@
           <a:p>
             <a:fld id="{81F02B84-2724-4998-9FA1-23616E67724A}" type="datetimeFigureOut">
               <a:rPr lang="ru-RU" smtClean="0"/>
-              <a:t>15.10.2016</a:t>
+              <a:t>17.10.2016</a:t>
             </a:fld>
             <a:endParaRPr lang="ru-RU"/>
           </a:p>
@@ -1858,7 +1877,7 @@
           <a:p>
             <a:fld id="{81F02B84-2724-4998-9FA1-23616E67724A}" type="datetimeFigureOut">
               <a:rPr lang="ru-RU" smtClean="0"/>
-              <a:t>15.10.2016</a:t>
+              <a:t>17.10.2016</a:t>
             </a:fld>
             <a:endParaRPr lang="ru-RU"/>
           </a:p>
@@ -1948,7 +1967,7 @@
           <a:p>
             <a:fld id="{81F02B84-2724-4998-9FA1-23616E67724A}" type="datetimeFigureOut">
               <a:rPr lang="ru-RU" smtClean="0"/>
-              <a:t>15.10.2016</a:t>
+              <a:t>17.10.2016</a:t>
             </a:fld>
             <a:endParaRPr lang="ru-RU"/>
           </a:p>
@@ -2220,7 +2239,7 @@
           <a:p>
             <a:fld id="{81F02B84-2724-4998-9FA1-23616E67724A}" type="datetimeFigureOut">
               <a:rPr lang="ru-RU" smtClean="0"/>
-              <a:t>15.10.2016</a:t>
+              <a:t>17.10.2016</a:t>
             </a:fld>
             <a:endParaRPr lang="ru-RU"/>
           </a:p>
@@ -2468,7 +2487,7 @@
           <a:p>
             <a:fld id="{81F02B84-2724-4998-9FA1-23616E67724A}" type="datetimeFigureOut">
               <a:rPr lang="ru-RU" smtClean="0"/>
-              <a:t>15.10.2016</a:t>
+              <a:t>17.10.2016</a:t>
             </a:fld>
             <a:endParaRPr lang="ru-RU"/>
           </a:p>
@@ -2676,7 +2695,7 @@
           <a:p>
             <a:fld id="{81F02B84-2724-4998-9FA1-23616E67724A}" type="datetimeFigureOut">
               <a:rPr lang="ru-RU" smtClean="0"/>
-              <a:t>15.10.2016</a:t>
+              <a:t>17.10.2016</a:t>
             </a:fld>
             <a:endParaRPr lang="ru-RU"/>
           </a:p>
@@ -3134,10 +3153,449 @@
   <p:clrMapOvr>
     <a:masterClrMapping/>
   </p:clrMapOvr>
+  <p:timing>
+    <p:tnLst>
+      <p:par>
+        <p:cTn id="1" dur="indefinite" restart="never" nodeType="tmRoot"/>
+      </p:par>
+    </p:tnLst>
+  </p:timing>
 </p:sld>
 </file>
 
 <file path=ppt/slides/slide10.xml><?xml version="1.0" encoding="utf-8"?>
+<p:sld xmlns:a="http://schemas.openxmlformats.org/drawingml/2006/main" xmlns:r="http://schemas.openxmlformats.org/officeDocument/2006/relationships" xmlns:p="http://schemas.openxmlformats.org/presentationml/2006/main">
+  <p:cSld>
+    <p:spTree>
+      <p:nvGrpSpPr>
+        <p:cNvPr id="1" name=""/>
+        <p:cNvGrpSpPr/>
+        <p:nvPr/>
+      </p:nvGrpSpPr>
+      <p:grpSpPr>
+        <a:xfrm>
+          <a:off x="0" y="0"/>
+          <a:ext cx="0" cy="0"/>
+          <a:chOff x="0" y="0"/>
+          <a:chExt cx="0" cy="0"/>
+        </a:xfrm>
+      </p:grpSpPr>
+      <p:sp>
+        <p:nvSpPr>
+          <p:cNvPr id="2" name="Заголовок 1"/>
+          <p:cNvSpPr>
+            <a:spLocks noGrp="1"/>
+          </p:cNvSpPr>
+          <p:nvPr>
+            <p:ph type="title"/>
+          </p:nvPr>
+        </p:nvSpPr>
+        <p:spPr/>
+        <p:txBody>
+          <a:bodyPr/>
+          <a:lstStyle/>
+          <a:p>
+            <a:r>
+              <a:rPr lang="en-US" dirty="0"/>
+              <a:t>Residual GRU</a:t>
+            </a:r>
+            <a:endParaRPr lang="ru-RU" dirty="0"/>
+          </a:p>
+        </p:txBody>
+      </p:sp>
+      <p:sp>
+        <p:nvSpPr>
+          <p:cNvPr id="3" name="Содержимое 2"/>
+          <p:cNvSpPr>
+            <a:spLocks noGrp="1"/>
+          </p:cNvSpPr>
+          <p:nvPr>
+            <p:ph idx="1"/>
+          </p:nvPr>
+        </p:nvSpPr>
+        <p:spPr/>
+        <p:txBody>
+          <a:bodyPr/>
+          <a:lstStyle/>
+          <a:p>
+            <a:r>
+              <a:rPr lang="en-US" dirty="0" smtClean="0"/>
+              <a:t>Residual GRU combines existing GRUs with the residual connections to achieve significant image quality gains for a given compression rate.</a:t>
+            </a:r>
+            <a:endParaRPr lang="ru-RU" dirty="0"/>
+          </a:p>
+        </p:txBody>
+      </p:sp>
+    </p:spTree>
+  </p:cSld>
+  <p:clrMapOvr>
+    <a:masterClrMapping/>
+  </p:clrMapOvr>
+  <p:timing>
+    <p:tnLst>
+      <p:par>
+        <p:cTn id="1" dur="indefinite" restart="never" nodeType="tmRoot"/>
+      </p:par>
+    </p:tnLst>
+  </p:timing>
+</p:sld>
+</file>
+
+<file path=ppt/slides/slide11.xml><?xml version="1.0" encoding="utf-8"?>
+<p:sld xmlns:a="http://schemas.openxmlformats.org/drawingml/2006/main" xmlns:r="http://schemas.openxmlformats.org/officeDocument/2006/relationships" xmlns:p="http://schemas.openxmlformats.org/presentationml/2006/main">
+  <p:cSld>
+    <p:spTree>
+      <p:nvGrpSpPr>
+        <p:cNvPr id="1" name=""/>
+        <p:cNvGrpSpPr/>
+        <p:nvPr/>
+      </p:nvGrpSpPr>
+      <p:grpSpPr>
+        <a:xfrm>
+          <a:off x="0" y="0"/>
+          <a:ext cx="0" cy="0"/>
+          <a:chOff x="0" y="0"/>
+          <a:chExt cx="0" cy="0"/>
+        </a:xfrm>
+      </p:grpSpPr>
+      <p:sp>
+        <p:nvSpPr>
+          <p:cNvPr id="2" name="Заголовок 1"/>
+          <p:cNvSpPr>
+            <a:spLocks noGrp="1"/>
+          </p:cNvSpPr>
+          <p:nvPr>
+            <p:ph type="title"/>
+          </p:nvPr>
+        </p:nvSpPr>
+        <p:spPr/>
+        <p:txBody>
+          <a:bodyPr/>
+          <a:lstStyle/>
+          <a:p>
+            <a:r>
+              <a:rPr lang="en-US" dirty="0"/>
+              <a:t>The Article</a:t>
+            </a:r>
+            <a:endParaRPr lang="ru-RU" dirty="0"/>
+          </a:p>
+        </p:txBody>
+      </p:sp>
+      <p:sp>
+        <p:nvSpPr>
+          <p:cNvPr id="3" name="Объект 2"/>
+          <p:cNvSpPr>
+            <a:spLocks noGrp="1"/>
+          </p:cNvSpPr>
+          <p:nvPr>
+            <p:ph idx="1"/>
+          </p:nvPr>
+        </p:nvSpPr>
+        <p:spPr/>
+        <p:txBody>
+          <a:bodyPr>
+            <a:normAutofit fontScale="85000" lnSpcReduction="10000"/>
+          </a:bodyPr>
+          <a:lstStyle/>
+          <a:p>
+            <a:r>
+              <a:rPr lang="en-US" dirty="0"/>
+              <a:t>Image Compression with Neural </a:t>
+            </a:r>
+            <a:r>
+              <a:rPr lang="en-US" dirty="0" smtClean="0"/>
+              <a:t>Networks</a:t>
+            </a:r>
+            <a:r>
+              <a:rPr lang="ru-RU" dirty="0" smtClean="0"/>
+              <a:t> (29.09.16)</a:t>
+            </a:r>
+          </a:p>
+          <a:p>
+            <a:r>
+              <a:rPr lang="ru-RU" dirty="0" smtClean="0"/>
+              <a:t>Авторы – </a:t>
+            </a:r>
+            <a:r>
+              <a:rPr lang="en-US" dirty="0" smtClean="0"/>
+              <a:t>Google</a:t>
+            </a:r>
+          </a:p>
+          <a:p>
+            <a:r>
+              <a:rPr lang="en-US" dirty="0"/>
+              <a:t>They introduce an </a:t>
+            </a:r>
+            <a:r>
+              <a:rPr lang="en-US" dirty="0" smtClean="0"/>
+              <a:t>new architecture </a:t>
+            </a:r>
+            <a:r>
+              <a:rPr lang="en-US" dirty="0"/>
+              <a:t>that </a:t>
+            </a:r>
+            <a:r>
+              <a:rPr lang="en-US" dirty="0" smtClean="0"/>
+              <a:t>called </a:t>
+            </a:r>
+            <a:r>
+              <a:rPr lang="en-US" dirty="0"/>
+              <a:t>Residual Gated Recurrent Unit (Residual GRU</a:t>
+            </a:r>
+            <a:r>
+              <a:rPr lang="en-US" dirty="0" smtClean="0"/>
+              <a:t>)</a:t>
+            </a:r>
+            <a:endParaRPr lang="ru-RU" dirty="0" smtClean="0"/>
+          </a:p>
+          <a:p>
+            <a:r>
+              <a:rPr lang="en-US" dirty="0"/>
+              <a:t>Our system works by iteratively refining a reconstruction of the original image, with both the encoder and decoder using Residual GRU layers so that additional information can pass from one iteration to the next. </a:t>
+            </a:r>
+            <a:endParaRPr lang="ru-RU" dirty="0" smtClean="0"/>
+          </a:p>
+          <a:p>
+            <a:r>
+              <a:rPr lang="en-US" dirty="0" smtClean="0"/>
+              <a:t>Each </a:t>
+            </a:r>
+            <a:r>
+              <a:rPr lang="en-US" dirty="0"/>
+              <a:t>iteration adds more bits to the encoding, which allows for a higher quality reconstruction.</a:t>
+            </a:r>
+            <a:endParaRPr lang="ru-RU" dirty="0" smtClean="0"/>
+          </a:p>
+          <a:p>
+            <a:endParaRPr lang="ru-RU" dirty="0"/>
+          </a:p>
+        </p:txBody>
+      </p:sp>
+    </p:spTree>
+    <p:extLst>
+      <p:ext uri="{BB962C8B-B14F-4D97-AF65-F5344CB8AC3E}">
+        <p14:creationId xmlns:p14="http://schemas.microsoft.com/office/powerpoint/2010/main" val="923444099"/>
+      </p:ext>
+    </p:extLst>
+  </p:cSld>
+  <p:clrMapOvr>
+    <a:masterClrMapping/>
+  </p:clrMapOvr>
+  <p:timing>
+    <p:tnLst>
+      <p:par>
+        <p:cTn id="1" dur="indefinite" restart="never" nodeType="tmRoot"/>
+      </p:par>
+    </p:tnLst>
+  </p:timing>
+</p:sld>
+</file>
+
+<file path=ppt/slides/slide12.xml><?xml version="1.0" encoding="utf-8"?>
+<p:sld xmlns:a="http://schemas.openxmlformats.org/drawingml/2006/main" xmlns:r="http://schemas.openxmlformats.org/officeDocument/2006/relationships" xmlns:p="http://schemas.openxmlformats.org/presentationml/2006/main">
+  <p:cSld>
+    <p:spTree>
+      <p:nvGrpSpPr>
+        <p:cNvPr id="1" name=""/>
+        <p:cNvGrpSpPr/>
+        <p:nvPr/>
+      </p:nvGrpSpPr>
+      <p:grpSpPr>
+        <a:xfrm>
+          <a:off x="0" y="0"/>
+          <a:ext cx="0" cy="0"/>
+          <a:chOff x="0" y="0"/>
+          <a:chExt cx="0" cy="0"/>
+        </a:xfrm>
+      </p:grpSpPr>
+      <p:sp>
+        <p:nvSpPr>
+          <p:cNvPr id="2" name="Заголовок 1"/>
+          <p:cNvSpPr>
+            <a:spLocks noGrp="1"/>
+          </p:cNvSpPr>
+          <p:nvPr>
+            <p:ph type="title"/>
+          </p:nvPr>
+        </p:nvSpPr>
+        <p:spPr/>
+        <p:txBody>
+          <a:bodyPr/>
+          <a:lstStyle/>
+          <a:p>
+            <a:r>
+              <a:rPr lang="en-US" dirty="0"/>
+              <a:t>A</a:t>
+            </a:r>
+            <a:r>
+              <a:rPr lang="en-US" dirty="0" smtClean="0"/>
+              <a:t>lgorithm</a:t>
+            </a:r>
+            <a:endParaRPr lang="ru-RU" dirty="0"/>
+          </a:p>
+        </p:txBody>
+      </p:sp>
+      <p:sp>
+        <p:nvSpPr>
+          <p:cNvPr id="3" name="Содержимое 2"/>
+          <p:cNvSpPr>
+            <a:spLocks noGrp="1"/>
+          </p:cNvSpPr>
+          <p:nvPr>
+            <p:ph idx="1"/>
+          </p:nvPr>
+        </p:nvSpPr>
+        <p:spPr/>
+        <p:txBody>
+          <a:bodyPr>
+            <a:normAutofit fontScale="85000" lnSpcReduction="10000"/>
+          </a:bodyPr>
+          <a:lstStyle/>
+          <a:p>
+            <a:r>
+              <a:rPr lang="en-US" dirty="0"/>
+              <a:t>The initial residual, R[0], corresponds to the original image I: R[0] = I.</a:t>
+            </a:r>
+          </a:p>
+          <a:p>
+            <a:r>
+              <a:rPr lang="en-US" dirty="0"/>
+              <a:t>Set </a:t>
+            </a:r>
+            <a:r>
+              <a:rPr lang="en-US" dirty="0" err="1"/>
+              <a:t>i</a:t>
+            </a:r>
+            <a:r>
+              <a:rPr lang="en-US" dirty="0"/>
+              <a:t>=1 for to the first iteration.</a:t>
+            </a:r>
+          </a:p>
+          <a:p>
+            <a:r>
+              <a:rPr lang="en-US" dirty="0"/>
+              <a:t>Iteration[</a:t>
+            </a:r>
+            <a:r>
+              <a:rPr lang="en-US" dirty="0" err="1"/>
+              <a:t>i</a:t>
+            </a:r>
+            <a:r>
+              <a:rPr lang="en-US" dirty="0"/>
+              <a:t>] takes R[i-1] as input and runs the encoder and </a:t>
+            </a:r>
+            <a:r>
+              <a:rPr lang="en-US" dirty="0" err="1"/>
+              <a:t>binarizer</a:t>
+            </a:r>
+            <a:r>
+              <a:rPr lang="en-US" dirty="0"/>
+              <a:t> to compress the image into B[</a:t>
+            </a:r>
+            <a:r>
+              <a:rPr lang="en-US" dirty="0" err="1"/>
+              <a:t>i</a:t>
+            </a:r>
+            <a:r>
+              <a:rPr lang="en-US" dirty="0"/>
+              <a:t>].</a:t>
+            </a:r>
+          </a:p>
+          <a:p>
+            <a:r>
+              <a:rPr lang="en-US" dirty="0"/>
+              <a:t>Iteration[</a:t>
+            </a:r>
+            <a:r>
+              <a:rPr lang="en-US" dirty="0" err="1"/>
+              <a:t>i</a:t>
+            </a:r>
+            <a:r>
+              <a:rPr lang="en-US" dirty="0"/>
+              <a:t>] runs the decoder on B[</a:t>
+            </a:r>
+            <a:r>
+              <a:rPr lang="en-US" dirty="0" err="1"/>
+              <a:t>i</a:t>
+            </a:r>
+            <a:r>
+              <a:rPr lang="en-US" dirty="0"/>
+              <a:t>] to generate a reconstructed image P[</a:t>
+            </a:r>
+            <a:r>
+              <a:rPr lang="en-US" dirty="0" err="1"/>
+              <a:t>i</a:t>
+            </a:r>
+            <a:r>
+              <a:rPr lang="en-US" dirty="0"/>
+              <a:t>].</a:t>
+            </a:r>
+          </a:p>
+          <a:p>
+            <a:r>
+              <a:rPr lang="en-US" dirty="0"/>
+              <a:t>The residual for Iteration[</a:t>
+            </a:r>
+            <a:r>
+              <a:rPr lang="en-US" dirty="0" err="1"/>
+              <a:t>i</a:t>
+            </a:r>
+            <a:r>
+              <a:rPr lang="en-US" dirty="0"/>
+              <a:t>] is calculated: R[</a:t>
+            </a:r>
+            <a:r>
+              <a:rPr lang="en-US" dirty="0" err="1"/>
+              <a:t>i</a:t>
+            </a:r>
+            <a:r>
+              <a:rPr lang="en-US" dirty="0"/>
+              <a:t>] = I - P[</a:t>
+            </a:r>
+            <a:r>
+              <a:rPr lang="en-US" dirty="0" err="1"/>
+              <a:t>i</a:t>
+            </a:r>
+            <a:r>
+              <a:rPr lang="en-US" dirty="0"/>
+              <a:t>].</a:t>
+            </a:r>
+          </a:p>
+          <a:p>
+            <a:r>
+              <a:rPr lang="en-US" dirty="0"/>
+              <a:t>Set </a:t>
+            </a:r>
+            <a:r>
+              <a:rPr lang="en-US" dirty="0" err="1"/>
+              <a:t>i</a:t>
+            </a:r>
+            <a:r>
+              <a:rPr lang="en-US" dirty="0"/>
+              <a:t>=i+1 and go to Step 3 (up to the desired number of iterations).</a:t>
+            </a:r>
+          </a:p>
+          <a:p>
+            <a:endParaRPr lang="ru-RU" dirty="0"/>
+          </a:p>
+        </p:txBody>
+      </p:sp>
+    </p:spTree>
+  </p:cSld>
+  <p:clrMapOvr>
+    <a:masterClrMapping/>
+  </p:clrMapOvr>
+  <p:timing>
+    <p:tnLst>
+      <p:par>
+        <p:cTn id="1" dur="indefinite" restart="never" nodeType="tmRoot"/>
+      </p:par>
+    </p:tnLst>
+  </p:timing>
+</p:sld>
+</file>
+
+<file path=ppt/slides/slide13.xml><?xml version="1.0" encoding="utf-8"?>
 <p:sld xmlns:a="http://schemas.openxmlformats.org/drawingml/2006/main" xmlns:r="http://schemas.openxmlformats.org/officeDocument/2006/relationships" xmlns:p="http://schemas.openxmlformats.org/presentationml/2006/main">
   <p:cSld>
     <p:spTree>
@@ -3213,7 +3671,7 @@
 </p:sld>
 </file>
 
-<file path=ppt/slides/slide11.xml><?xml version="1.0" encoding="utf-8"?>
+<file path=ppt/slides/slide14.xml><?xml version="1.0" encoding="utf-8"?>
 <p:sld xmlns:a="http://schemas.openxmlformats.org/drawingml/2006/main" xmlns:r="http://schemas.openxmlformats.org/officeDocument/2006/relationships" xmlns:p="http://schemas.openxmlformats.org/presentationml/2006/main">
   <p:cSld>
     <p:spTree>
@@ -3280,7 +3738,7 @@
 </p:sld>
 </file>
 
-<file path=ppt/slides/slide12.xml><?xml version="1.0" encoding="utf-8"?>
+<file path=ppt/slides/slide15.xml><?xml version="1.0" encoding="utf-8"?>
 <p:sld xmlns:a="http://schemas.openxmlformats.org/drawingml/2006/main" xmlns:r="http://schemas.openxmlformats.org/officeDocument/2006/relationships" xmlns:p="http://schemas.openxmlformats.org/presentationml/2006/main">
   <p:cSld>
     <p:spTree>
@@ -3387,8 +3845,8 @@
           <a:lstStyle/>
           <a:p>
             <a:r>
-              <a:rPr lang="en-US" dirty="0" smtClean="0"/>
-              <a:t>RNN</a:t>
+              <a:rPr lang="ru-RU" dirty="0" smtClean="0"/>
+              <a:t>Цели задачи</a:t>
             </a:r>
             <a:endParaRPr lang="ru-RU" dirty="0"/>
           </a:p>
@@ -3396,7 +3854,7 @@
       </p:sp>
       <p:sp>
         <p:nvSpPr>
-          <p:cNvPr id="3" name="Содержимое 2"/>
+          <p:cNvPr id="3" name="Объект 2"/>
           <p:cNvSpPr>
             <a:spLocks noGrp="1"/>
           </p:cNvSpPr>
@@ -3410,18 +3868,88 @@
           <a:lstStyle/>
           <a:p>
             <a:r>
-              <a:rPr lang="en-US" dirty="0" smtClean="0"/>
-              <a:t>A recurrent neural network (RNN) is a class of artificial neural network where connections between units form a directed cycle.</a:t>
+              <a:rPr lang="ru-RU" dirty="0"/>
+              <a:t>Сделать </a:t>
+            </a:r>
+            <a:r>
+              <a:rPr lang="ru-RU" dirty="0" err="1"/>
+              <a:t>бенчмарк</a:t>
+            </a:r>
+            <a:r>
+              <a:rPr lang="ru-RU" dirty="0"/>
+              <a:t> компрессии этого способа, </a:t>
+            </a:r>
+            <a:r>
+              <a:rPr lang="ru-RU" dirty="0" err="1"/>
+              <a:t>png</a:t>
+            </a:r>
+            <a:r>
+              <a:rPr lang="ru-RU" dirty="0"/>
+              <a:t>, </a:t>
+            </a:r>
+            <a:r>
+              <a:rPr lang="ru-RU" dirty="0" err="1"/>
+              <a:t>webp</a:t>
+            </a:r>
+            <a:r>
+              <a:rPr lang="ru-RU" dirty="0"/>
+              <a:t>, </a:t>
+            </a:r>
+            <a:r>
+              <a:rPr lang="ru-RU" dirty="0" err="1"/>
+              <a:t>jpeg</a:t>
+            </a:r>
+            <a:r>
+              <a:rPr lang="ru-RU" dirty="0"/>
+              <a:t>, jpeg2000. </a:t>
+            </a:r>
+            <a:endParaRPr lang="ru-RU" dirty="0" smtClean="0"/>
+          </a:p>
+          <a:p>
+            <a:r>
+              <a:rPr lang="ru-RU" dirty="0" smtClean="0"/>
+              <a:t>Оценить </a:t>
+            </a:r>
+            <a:r>
+              <a:rPr lang="ru-RU" dirty="0"/>
+              <a:t>численно и визуально качество, а так же время работы и размер сжатых изображений. </a:t>
+            </a:r>
+            <a:endParaRPr lang="ru-RU" dirty="0" smtClean="0"/>
+          </a:p>
+          <a:p>
+            <a:r>
+              <a:rPr lang="ru-RU" dirty="0" smtClean="0"/>
+              <a:t>Возможно</a:t>
+            </a:r>
+            <a:r>
+              <a:rPr lang="ru-RU" dirty="0"/>
+              <a:t>, ответить на вопрос о реальной применимости </a:t>
+            </a:r>
+            <a:r>
+              <a:rPr lang="ru-RU" dirty="0" smtClean="0"/>
+              <a:t>способа.</a:t>
             </a:r>
             <a:endParaRPr lang="ru-RU" dirty="0"/>
           </a:p>
         </p:txBody>
       </p:sp>
     </p:spTree>
+    <p:extLst>
+      <p:ext uri="{BB962C8B-B14F-4D97-AF65-F5344CB8AC3E}">
+        <p14:creationId xmlns:p14="http://schemas.microsoft.com/office/powerpoint/2010/main" val="3530263698"/>
+      </p:ext>
+    </p:extLst>
   </p:cSld>
   <p:clrMapOvr>
     <a:masterClrMapping/>
   </p:clrMapOvr>
+  <p:timing>
+    <p:tnLst>
+      <p:par>
+        <p:cTn id="1" dur="indefinite" restart="never" nodeType="tmRoot"/>
+      </p:par>
+    </p:tnLst>
+  </p:timing>
 </p:sld>
 </file>
 
@@ -3459,7 +3987,7 @@
           <a:p>
             <a:r>
               <a:rPr lang="en-US" dirty="0" smtClean="0"/>
-              <a:t>Architectures</a:t>
+              <a:t>RNN</a:t>
             </a:r>
             <a:endParaRPr lang="ru-RU" dirty="0"/>
           </a:p>
@@ -3477,125 +4005,60 @@
         </p:nvSpPr>
         <p:spPr/>
         <p:txBody>
-          <a:bodyPr>
-            <a:normAutofit fontScale="47500" lnSpcReduction="20000"/>
-          </a:bodyPr>
+          <a:bodyPr/>
           <a:lstStyle/>
           <a:p>
             <a:r>
               <a:rPr lang="en-US" dirty="0" smtClean="0"/>
-              <a:t>Fully recurrent network</a:t>
-            </a:r>
-          </a:p>
-          <a:p>
+              <a:t>A recurrent neural network (RNN) is a class of artificial neural network where connections between units form a directed cycle</a:t>
+            </a:r>
             <a:r>
               <a:rPr lang="en-US" dirty="0" smtClean="0"/>
-              <a:t>Recursive neural networks</a:t>
-            </a:r>
-          </a:p>
-          <a:p>
-            <a:r>
-              <a:rPr lang="en-US" dirty="0" smtClean="0"/>
-              <a:t>Hopfield network</a:t>
-            </a:r>
-          </a:p>
-          <a:p>
-            <a:r>
-              <a:rPr lang="en-US" dirty="0" smtClean="0"/>
-              <a:t>Elman networks and Jordan networks</a:t>
-            </a:r>
-          </a:p>
-          <a:p>
-            <a:r>
-              <a:rPr lang="en-US" dirty="0" smtClean="0"/>
-              <a:t>Echo state network</a:t>
-            </a:r>
-          </a:p>
-          <a:p>
-            <a:r>
-              <a:rPr lang="en-US" dirty="0" smtClean="0"/>
-              <a:t>Neural history compressor</a:t>
-            </a:r>
-          </a:p>
-          <a:p>
-            <a:r>
-              <a:rPr lang="en-US" dirty="0" smtClean="0"/>
-              <a:t>Long short term memory</a:t>
-            </a:r>
-          </a:p>
-          <a:p>
-            <a:r>
-              <a:rPr lang="en-US" dirty="0" smtClean="0"/>
-              <a:t>Bi-directional RNN</a:t>
-            </a:r>
-          </a:p>
-          <a:p>
-            <a:r>
-              <a:rPr lang="en-US" dirty="0" smtClean="0"/>
-              <a:t>Continuous-time RNN</a:t>
-            </a:r>
-          </a:p>
-          <a:p>
-            <a:r>
-              <a:rPr lang="en-US" dirty="0" smtClean="0"/>
-              <a:t>Hierarchical RNN</a:t>
-            </a:r>
-          </a:p>
-          <a:p>
-            <a:r>
-              <a:rPr lang="en-US" dirty="0" smtClean="0"/>
-              <a:t>Recurrent multilayer </a:t>
-            </a:r>
-            <a:r>
-              <a:rPr lang="en-US" dirty="0" err="1" smtClean="0"/>
-              <a:t>perceptron</a:t>
-            </a:r>
-            <a:endParaRPr lang="en-US" dirty="0" smtClean="0"/>
-          </a:p>
-          <a:p>
-            <a:r>
-              <a:rPr lang="en-US" dirty="0" smtClean="0"/>
-              <a:t>Second order RNN</a:t>
-            </a:r>
-          </a:p>
-          <a:p>
-            <a:r>
-              <a:rPr lang="en-US" dirty="0" smtClean="0"/>
-              <a:t>Multiple timescales recurrent neural network (MTRNN) model</a:t>
-            </a:r>
-          </a:p>
-          <a:p>
-            <a:r>
-              <a:rPr lang="en-US" dirty="0" smtClean="0"/>
-              <a:t>Pollack's sequential cascaded networks</a:t>
-            </a:r>
-          </a:p>
-          <a:p>
-            <a:r>
-              <a:rPr lang="en-US" dirty="0" smtClean="0"/>
-              <a:t>Neural Turing Machines</a:t>
-            </a:r>
-          </a:p>
-          <a:p>
-            <a:r>
-              <a:rPr lang="en-US" dirty="0" smtClean="0"/>
-              <a:t>Neural network pushdown automata</a:t>
-            </a:r>
-          </a:p>
-          <a:p>
-            <a:r>
-              <a:rPr lang="en-US" dirty="0" smtClean="0"/>
-              <a:t>Bidirectional associative memory</a:t>
-            </a:r>
+              <a:t>.</a:t>
+            </a:r>
+            <a:endParaRPr lang="ru-RU" dirty="0" smtClean="0"/>
+          </a:p>
+          <a:p>
             <a:endParaRPr lang="ru-RU" dirty="0"/>
           </a:p>
         </p:txBody>
       </p:sp>
+      <p:pic>
+        <p:nvPicPr>
+          <p:cNvPr id="4" name="Рисунок 3"/>
+          <p:cNvPicPr>
+            <a:picLocks noChangeAspect="1"/>
+          </p:cNvPicPr>
+          <p:nvPr/>
+        </p:nvPicPr>
+        <p:blipFill>
+          <a:blip r:embed="rId2"/>
+          <a:stretch>
+            <a:fillRect/>
+          </a:stretch>
+        </p:blipFill>
+        <p:spPr>
+          <a:xfrm>
+            <a:off x="1619672" y="3356992"/>
+            <a:ext cx="5638800" cy="2381250"/>
+          </a:xfrm>
+          <a:prstGeom prst="rect">
+            <a:avLst/>
+          </a:prstGeom>
+        </p:spPr>
+      </p:pic>
     </p:spTree>
   </p:cSld>
   <p:clrMapOvr>
     <a:masterClrMapping/>
   </p:clrMapOvr>
+  <p:timing>
+    <p:tnLst>
+      <p:par>
+        <p:cTn id="1" dur="indefinite" restart="never" nodeType="tmRoot"/>
+      </p:par>
+    </p:tnLst>
+  </p:timing>
 </p:sld>
 </file>
 
@@ -3633,7 +4096,7 @@
           <a:p>
             <a:r>
               <a:rPr lang="en-US" dirty="0" smtClean="0"/>
-              <a:t>Long short-term memory</a:t>
+              <a:t>Architectures</a:t>
             </a:r>
             <a:endParaRPr lang="ru-RU" dirty="0"/>
           </a:p>
@@ -3651,44 +4114,115 @@
         </p:nvSpPr>
         <p:spPr/>
         <p:txBody>
-          <a:bodyPr/>
+          <a:bodyPr>
+            <a:normAutofit fontScale="47500" lnSpcReduction="20000"/>
+          </a:bodyPr>
           <a:lstStyle/>
           <a:p>
             <a:r>
               <a:rPr lang="en-US" dirty="0" smtClean="0"/>
-              <a:t>Long short-term memory (LSTM) is a recurrent neural network (RNN) architecture (an artificial neural network) proposed in 1997 by </a:t>
+              <a:t>Fully recurrent network</a:t>
+            </a:r>
+          </a:p>
+          <a:p>
+            <a:r>
+              <a:rPr lang="en-US" dirty="0" smtClean="0"/>
+              <a:t>Recursive neural networks</a:t>
+            </a:r>
+          </a:p>
+          <a:p>
+            <a:r>
+              <a:rPr lang="en-US" dirty="0" smtClean="0"/>
+              <a:t>Hopfield network</a:t>
+            </a:r>
+          </a:p>
+          <a:p>
+            <a:r>
+              <a:rPr lang="en-US" dirty="0" smtClean="0"/>
+              <a:t>Elman networks and Jordan networks</a:t>
+            </a:r>
+          </a:p>
+          <a:p>
+            <a:r>
+              <a:rPr lang="en-US" dirty="0" smtClean="0"/>
+              <a:t>Echo state network</a:t>
+            </a:r>
+          </a:p>
+          <a:p>
+            <a:r>
+              <a:rPr lang="en-US" dirty="0" smtClean="0"/>
+              <a:t>Neural history compressor</a:t>
+            </a:r>
+          </a:p>
+          <a:p>
+            <a:r>
+              <a:rPr lang="en-US" dirty="0" smtClean="0"/>
+              <a:t>Long short term memory</a:t>
+            </a:r>
+          </a:p>
+          <a:p>
+            <a:r>
+              <a:rPr lang="en-US" dirty="0" smtClean="0"/>
+              <a:t>Bi-directional RNN</a:t>
+            </a:r>
+          </a:p>
+          <a:p>
+            <a:r>
+              <a:rPr lang="en-US" dirty="0" smtClean="0"/>
+              <a:t>Continuous-time RNN</a:t>
+            </a:r>
+          </a:p>
+          <a:p>
+            <a:r>
+              <a:rPr lang="en-US" dirty="0" smtClean="0"/>
+              <a:t>Hierarchical RNN</a:t>
+            </a:r>
+          </a:p>
+          <a:p>
+            <a:r>
+              <a:rPr lang="en-US" dirty="0" smtClean="0"/>
+              <a:t>Recurrent multilayer </a:t>
             </a:r>
             <a:r>
               <a:rPr lang="en-US" dirty="0" err="1" smtClean="0"/>
-              <a:t>Sepp</a:t>
-            </a:r>
+              <a:t>perceptron</a:t>
+            </a:r>
+            <a:endParaRPr lang="en-US" dirty="0" smtClean="0"/>
+          </a:p>
+          <a:p>
             <a:r>
               <a:rPr lang="en-US" dirty="0" smtClean="0"/>
-              <a:t> </a:t>
-            </a:r>
-            <a:r>
-              <a:rPr lang="en-US" dirty="0" err="1" smtClean="0"/>
-              <a:t>Hochreiter</a:t>
-            </a:r>
+              <a:t>Second order RNN</a:t>
+            </a:r>
+          </a:p>
+          <a:p>
             <a:r>
               <a:rPr lang="en-US" dirty="0" smtClean="0"/>
-              <a:t> and </a:t>
-            </a:r>
-            <a:r>
-              <a:rPr lang="en-US" dirty="0" err="1" smtClean="0"/>
-              <a:t>Jürgen</a:t>
-            </a:r>
+              <a:t>Multiple timescales recurrent neural network (MTRNN) model</a:t>
+            </a:r>
+          </a:p>
+          <a:p>
             <a:r>
               <a:rPr lang="en-US" dirty="0" smtClean="0"/>
-              <a:t> </a:t>
-            </a:r>
-            <a:r>
-              <a:rPr lang="en-US" dirty="0" err="1" smtClean="0"/>
-              <a:t>Schmidhuber</a:t>
-            </a:r>
+              <a:t>Pollack's sequential cascaded networks</a:t>
+            </a:r>
+          </a:p>
+          <a:p>
             <a:r>
               <a:rPr lang="en-US" dirty="0" smtClean="0"/>
-              <a:t>.</a:t>
+              <a:t>Neural Turing Machines</a:t>
+            </a:r>
+          </a:p>
+          <a:p>
+            <a:r>
+              <a:rPr lang="en-US" dirty="0" smtClean="0"/>
+              <a:t>Neural network pushdown automata</a:t>
+            </a:r>
+          </a:p>
+          <a:p>
+            <a:r>
+              <a:rPr lang="en-US" dirty="0" smtClean="0"/>
+              <a:t>Bidirectional associative memory</a:t>
             </a:r>
             <a:endParaRPr lang="ru-RU" dirty="0"/>
           </a:p>
@@ -3736,7 +4270,7 @@
           <a:p>
             <a:r>
               <a:rPr lang="en-US" dirty="0" smtClean="0"/>
-              <a:t>Architecture</a:t>
+              <a:t>Long short-term memory</a:t>
             </a:r>
             <a:endParaRPr lang="ru-RU" dirty="0"/>
           </a:p>
@@ -3754,24 +4288,81 @@
         </p:nvSpPr>
         <p:spPr/>
         <p:txBody>
-          <a:bodyPr>
-            <a:normAutofit lnSpcReduction="10000"/>
-          </a:bodyPr>
-          <a:lstStyle/>
-          <a:p>
-            <a:r>
-              <a:rPr lang="en-US" dirty="0"/>
-              <a:t>A LSTM network is an artificial neural network that contains LSTM blocks instead of, or in addition to, regular network units. A LSTM block may be described as a "smart" network unit that can remember a value for an arbitrary length of time. A LSTM block contains gates that determine when the input is significant enough to remember, when it should continue to remember or forget the value, and when it should output the value.</a:t>
-            </a:r>
+          <a:bodyPr/>
+          <a:lstStyle/>
+          <a:p>
+            <a:r>
+              <a:rPr lang="en-US" dirty="0" smtClean="0"/>
+              <a:t>Long short-term memory (LSTM) is a recurrent neural network (RNN) architecture (an artificial neural network) proposed in 1997 by Sepp </a:t>
+            </a:r>
+            <a:r>
+              <a:rPr lang="en-US" dirty="0" err="1" smtClean="0"/>
+              <a:t>Hochreiter</a:t>
+            </a:r>
+            <a:r>
+              <a:rPr lang="en-US" dirty="0" smtClean="0"/>
+              <a:t> and Jürgen </a:t>
+            </a:r>
+            <a:r>
+              <a:rPr lang="en-US" dirty="0" err="1" smtClean="0"/>
+              <a:t>Schmidhuber</a:t>
+            </a:r>
+            <a:r>
+              <a:rPr lang="en-US" dirty="0" smtClean="0"/>
+              <a:t>.</a:t>
+            </a:r>
+            <a:endParaRPr lang="ru-RU" dirty="0" smtClean="0"/>
+          </a:p>
+          <a:p>
             <a:endParaRPr lang="ru-RU" dirty="0"/>
           </a:p>
-        </p:txBody>
-      </p:sp>
+          <a:p>
+            <a:endParaRPr lang="ru-RU" dirty="0"/>
+          </a:p>
+        </p:txBody>
+      </p:sp>
+      <p:pic>
+        <p:nvPicPr>
+          <p:cNvPr id="4" name="Рисунок 3"/>
+          <p:cNvPicPr>
+            <a:picLocks noChangeAspect="1"/>
+          </p:cNvPicPr>
+          <p:nvPr/>
+        </p:nvPicPr>
+        <p:blipFill>
+          <a:blip r:embed="rId2" cstate="print">
+            <a:extLst>
+              <a:ext uri="{28A0092B-C50C-407E-A947-70E740481C1C}">
+                <a14:useLocalDpi xmlns:a14="http://schemas.microsoft.com/office/drawing/2010/main" val="0"/>
+              </a:ext>
+            </a:extLst>
+          </a:blip>
+          <a:stretch>
+            <a:fillRect/>
+          </a:stretch>
+        </p:blipFill>
+        <p:spPr>
+          <a:xfrm>
+            <a:off x="323528" y="3847870"/>
+            <a:ext cx="8244408" cy="2166214"/>
+          </a:xfrm>
+          <a:prstGeom prst="rect">
+            <a:avLst/>
+          </a:prstGeom>
+        </p:spPr>
+      </p:pic>
     </p:spTree>
   </p:cSld>
   <p:clrMapOvr>
     <a:masterClrMapping/>
   </p:clrMapOvr>
+  <p:timing>
+    <p:tnLst>
+      <p:par>
+        <p:cTn id="1" dur="indefinite" restart="never" nodeType="tmRoot"/>
+      </p:par>
+    </p:tnLst>
+  </p:timing>
 </p:sld>
 </file>
 
@@ -3804,54 +4395,37 @@
         </p:nvSpPr>
         <p:spPr/>
         <p:txBody>
+          <a:bodyPr/>
+          <a:lstStyle/>
+          <a:p>
+            <a:r>
+              <a:rPr lang="en-US" dirty="0" smtClean="0"/>
+              <a:t>Architecture</a:t>
+            </a:r>
+            <a:endParaRPr lang="ru-RU" dirty="0"/>
+          </a:p>
+        </p:txBody>
+      </p:sp>
+      <p:sp>
+        <p:nvSpPr>
+          <p:cNvPr id="3" name="Содержимое 2"/>
+          <p:cNvSpPr>
+            <a:spLocks noGrp="1"/>
+          </p:cNvSpPr>
+          <p:nvPr>
+            <p:ph idx="1"/>
+          </p:nvPr>
+        </p:nvSpPr>
+        <p:spPr/>
+        <p:txBody>
           <a:bodyPr>
-            <a:normAutofit/>
+            <a:normAutofit lnSpcReduction="10000"/>
           </a:bodyPr>
           <a:lstStyle/>
           <a:p>
             <a:r>
-              <a:rPr lang="en-US" dirty="0" smtClean="0"/>
-              <a:t>Training</a:t>
-            </a:r>
-            <a:endParaRPr lang="ru-RU" dirty="0"/>
-          </a:p>
-        </p:txBody>
-      </p:sp>
-      <p:sp>
-        <p:nvSpPr>
-          <p:cNvPr id="3" name="Содержимое 2"/>
-          <p:cNvSpPr>
-            <a:spLocks noGrp="1"/>
-          </p:cNvSpPr>
-          <p:nvPr>
-            <p:ph idx="1"/>
-          </p:nvPr>
-        </p:nvSpPr>
-        <p:spPr/>
-        <p:txBody>
-          <a:bodyPr>
-            <a:normAutofit fontScale="92500"/>
-          </a:bodyPr>
-          <a:lstStyle/>
-          <a:p>
-            <a:r>
-              <a:rPr lang="en-US" dirty="0" smtClean="0"/>
-              <a:t>To minimize LSTM's total error on a set of training sequences, iterative gradient descent such as </a:t>
-            </a:r>
-            <a:r>
-              <a:rPr lang="en-US" dirty="0" err="1" smtClean="0"/>
-              <a:t>backpropagation</a:t>
-            </a:r>
-            <a:r>
-              <a:rPr lang="en-US" dirty="0" smtClean="0"/>
-              <a:t> through time can be used to change each weight in proportion to its derivative with respect to the error. </a:t>
-            </a:r>
-            <a:endParaRPr lang="ru-RU" dirty="0" smtClean="0"/>
-          </a:p>
-          <a:p>
-            <a:r>
               <a:rPr lang="en-US" dirty="0"/>
-              <a:t>A major problem with gradient descent for standard RNNs is that error gradients vanish exponentially quickly with the size of the time lag between important events</a:t>
+              <a:t>A LSTM network is an artificial neural network that contains LSTM blocks instead of, or in addition to, regular network units. A LSTM block may be described as a "smart" network unit that can remember a value for an arbitrary length of time. A LSTM block contains gates that determine when the input is significant enough to remember, when it should continue to remember or forget the value, and when it should output the value.</a:t>
             </a:r>
             <a:endParaRPr lang="ru-RU" dirty="0"/>
           </a:p>
@@ -3900,51 +4474,48 @@
           <a:lstStyle/>
           <a:p>
             <a:r>
+              <a:rPr lang="en-US" dirty="0" smtClean="0"/>
+              <a:t>Training</a:t>
+            </a:r>
+            <a:endParaRPr lang="ru-RU" dirty="0"/>
+          </a:p>
+        </p:txBody>
+      </p:sp>
+      <p:sp>
+        <p:nvSpPr>
+          <p:cNvPr id="3" name="Содержимое 2"/>
+          <p:cNvSpPr>
+            <a:spLocks noGrp="1"/>
+          </p:cNvSpPr>
+          <p:nvPr>
+            <p:ph idx="1"/>
+          </p:nvPr>
+        </p:nvSpPr>
+        <p:spPr/>
+        <p:txBody>
+          <a:bodyPr>
+            <a:normAutofit fontScale="92500"/>
+          </a:bodyPr>
+          <a:lstStyle/>
+          <a:p>
+            <a:r>
+              <a:rPr lang="en-US" dirty="0" smtClean="0"/>
+              <a:t>To minimize LSTM's total error on a set of training sequences, iterative gradient descent such as </a:t>
+            </a:r>
+            <a:r>
+              <a:rPr lang="en-US" dirty="0" err="1" smtClean="0"/>
+              <a:t>backpropagation</a:t>
+            </a:r>
+            <a:r>
+              <a:rPr lang="en-US" dirty="0" smtClean="0"/>
+              <a:t> through time can be used to change each weight in proportion to its derivative with respect to the error. </a:t>
+            </a:r>
+            <a:endParaRPr lang="ru-RU" dirty="0" smtClean="0"/>
+          </a:p>
+          <a:p>
+            <a:r>
               <a:rPr lang="en-US" dirty="0"/>
-              <a:t>Gated recurrent </a:t>
-            </a:r>
-            <a:r>
-              <a:rPr lang="en-US" dirty="0" smtClean="0"/>
-              <a:t>unit</a:t>
-            </a:r>
-            <a:endParaRPr lang="ru-RU" dirty="0"/>
-          </a:p>
-        </p:txBody>
-      </p:sp>
-      <p:sp>
-        <p:nvSpPr>
-          <p:cNvPr id="3" name="Содержимое 2"/>
-          <p:cNvSpPr>
-            <a:spLocks noGrp="1"/>
-          </p:cNvSpPr>
-          <p:nvPr>
-            <p:ph idx="1"/>
-          </p:nvPr>
-        </p:nvSpPr>
-        <p:spPr/>
-        <p:txBody>
-          <a:bodyPr>
-            <a:normAutofit lnSpcReduction="10000"/>
-          </a:bodyPr>
-          <a:lstStyle/>
-          <a:p>
-            <a:r>
-              <a:rPr lang="en-US" dirty="0" smtClean="0"/>
-              <a:t>Gated recurrent units are a gating mechanism in recurrent neural networks, introduced in 2014. </a:t>
-            </a:r>
-            <a:endParaRPr lang="ru-RU" dirty="0" smtClean="0"/>
-          </a:p>
-          <a:p>
-            <a:r>
-              <a:rPr lang="en-US" dirty="0" smtClean="0"/>
-              <a:t>Their performance on polyphonic music modeling and speech signal modeling was found to be similar to that of long short-term memory. </a:t>
-            </a:r>
-            <a:endParaRPr lang="ru-RU" dirty="0" smtClean="0"/>
-          </a:p>
-          <a:p>
-            <a:r>
-              <a:rPr lang="en-US" dirty="0" smtClean="0"/>
-              <a:t>They have fewer parameters than LSTM, as they lack an output gate.</a:t>
+              <a:t>A major problem with gradient descent for standard RNNs is that error gradients vanish exponentially quickly with the size of the time lag between important events</a:t>
             </a:r>
             <a:endParaRPr lang="ru-RU" dirty="0"/>
           </a:p>
@@ -3987,12 +4558,18 @@
         </p:nvSpPr>
         <p:spPr/>
         <p:txBody>
-          <a:bodyPr/>
+          <a:bodyPr>
+            <a:normAutofit/>
+          </a:bodyPr>
           <a:lstStyle/>
           <a:p>
             <a:r>
               <a:rPr lang="en-US" dirty="0"/>
-              <a:t>Residual GRU</a:t>
+              <a:t>Gated recurrent </a:t>
+            </a:r>
+            <a:r>
+              <a:rPr lang="en-US" dirty="0" smtClean="0"/>
+              <a:t>unit</a:t>
             </a:r>
             <a:endParaRPr lang="ru-RU" dirty="0"/>
           </a:p>
@@ -4010,12 +4587,28 @@
         </p:nvSpPr>
         <p:spPr/>
         <p:txBody>
-          <a:bodyPr/>
+          <a:bodyPr>
+            <a:normAutofit lnSpcReduction="10000"/>
+          </a:bodyPr>
           <a:lstStyle/>
           <a:p>
             <a:r>
               <a:rPr lang="en-US" dirty="0" smtClean="0"/>
-              <a:t>Residual GRU combines existing GRUs with the residual connections to achieve significant image quality gains for a given compression rate.</a:t>
+              <a:t>Gated recurrent units are a gating mechanism in recurrent neural networks, introduced in 2014. </a:t>
+            </a:r>
+            <a:endParaRPr lang="ru-RU" dirty="0" smtClean="0"/>
+          </a:p>
+          <a:p>
+            <a:r>
+              <a:rPr lang="en-US" dirty="0" smtClean="0"/>
+              <a:t>Their performance on polyphonic music modeling and speech signal modeling was found to be similar to that of long short-term memory. </a:t>
+            </a:r>
+            <a:endParaRPr lang="ru-RU" dirty="0" smtClean="0"/>
+          </a:p>
+          <a:p>
+            <a:r>
+              <a:rPr lang="en-US" dirty="0" smtClean="0"/>
+              <a:t>They have fewer parameters than LSTM, as they lack an output gate.</a:t>
             </a:r>
             <a:endParaRPr lang="ru-RU" dirty="0"/>
           </a:p>
@@ -4026,6 +4619,13 @@
   <p:clrMapOvr>
     <a:masterClrMapping/>
   </p:clrMapOvr>
+  <p:timing>
+    <p:tnLst>
+      <p:par>
+        <p:cTn id="1" dur="indefinite" restart="never" nodeType="tmRoot"/>
+      </p:par>
+    </p:tnLst>
+  </p:timing>
 </p:sld>
 </file>
 
@@ -4061,168 +4661,56 @@
           <a:bodyPr/>
           <a:lstStyle/>
           <a:p>
-            <a:r>
-              <a:rPr lang="en-US" dirty="0"/>
-              <a:t>A</a:t>
-            </a:r>
-            <a:r>
-              <a:rPr lang="en-US" dirty="0" smtClean="0"/>
-              <a:t>lgorithm</a:t>
-            </a:r>
-            <a:endParaRPr lang="ru-RU" dirty="0"/>
-          </a:p>
-        </p:txBody>
-      </p:sp>
-      <p:sp>
-        <p:nvSpPr>
-          <p:cNvPr id="3" name="Содержимое 2"/>
-          <p:cNvSpPr>
-            <a:spLocks noGrp="1"/>
-          </p:cNvSpPr>
+            <a:endParaRPr lang="ru-RU"/>
+          </a:p>
+        </p:txBody>
+      </p:sp>
+      <p:pic>
+        <p:nvPicPr>
+          <p:cNvPr id="4" name="Объект 3"/>
+          <p:cNvPicPr>
+            <a:picLocks noGrp="1" noChangeAspect="1"/>
+          </p:cNvPicPr>
           <p:nvPr>
             <p:ph idx="1"/>
           </p:nvPr>
-        </p:nvSpPr>
-        <p:spPr/>
-        <p:txBody>
-          <a:bodyPr>
-            <a:normAutofit fontScale="85000" lnSpcReduction="10000"/>
-          </a:bodyPr>
-          <a:lstStyle/>
-          <a:p>
-            <a:r>
-              <a:rPr lang="en-US" dirty="0"/>
-              <a:t>The initial residual, R[0], corresponds to the original image I: R[0] = I.</a:t>
-            </a:r>
-          </a:p>
-          <a:p>
-            <a:r>
-              <a:rPr lang="en-US" dirty="0"/>
-              <a:t>Set </a:t>
-            </a:r>
-            <a:r>
-              <a:rPr lang="en-US" dirty="0" err="1"/>
-              <a:t>i</a:t>
-            </a:r>
-            <a:r>
-              <a:rPr lang="en-US" dirty="0"/>
-              <a:t>=1 for to the first iteration.</a:t>
-            </a:r>
-          </a:p>
-          <a:p>
-            <a:r>
-              <a:rPr lang="en-US" dirty="0"/>
-              <a:t>Iteration[</a:t>
-            </a:r>
-            <a:r>
-              <a:rPr lang="en-US" dirty="0" err="1"/>
-              <a:t>i</a:t>
-            </a:r>
-            <a:r>
-              <a:rPr lang="en-US" dirty="0"/>
-              <a:t>] takes R[i-1] as input and runs the encoder and </a:t>
-            </a:r>
-            <a:r>
-              <a:rPr lang="en-US" dirty="0" err="1"/>
-              <a:t>binarizer</a:t>
-            </a:r>
-            <a:r>
-              <a:rPr lang="en-US" dirty="0"/>
-              <a:t> to compress the image into B[</a:t>
-            </a:r>
-            <a:r>
-              <a:rPr lang="en-US" dirty="0" err="1"/>
-              <a:t>i</a:t>
-            </a:r>
-            <a:r>
-              <a:rPr lang="en-US" dirty="0"/>
-              <a:t>].</a:t>
-            </a:r>
-          </a:p>
-          <a:p>
-            <a:r>
-              <a:rPr lang="en-US" dirty="0"/>
-              <a:t>Iteration[</a:t>
-            </a:r>
-            <a:r>
-              <a:rPr lang="en-US" dirty="0" err="1"/>
-              <a:t>i</a:t>
-            </a:r>
-            <a:r>
-              <a:rPr lang="en-US" dirty="0"/>
-              <a:t>] runs the decoder on B[</a:t>
-            </a:r>
-            <a:r>
-              <a:rPr lang="en-US" dirty="0" err="1"/>
-              <a:t>i</a:t>
-            </a:r>
-            <a:r>
-              <a:rPr lang="en-US" dirty="0"/>
-              <a:t>] to generate a reconstructed image P[</a:t>
-            </a:r>
-            <a:r>
-              <a:rPr lang="en-US" dirty="0" err="1"/>
-              <a:t>i</a:t>
-            </a:r>
-            <a:r>
-              <a:rPr lang="en-US" dirty="0"/>
-              <a:t>].</a:t>
-            </a:r>
-          </a:p>
-          <a:p>
-            <a:r>
-              <a:rPr lang="en-US" dirty="0"/>
-              <a:t>The residual for Iteration[</a:t>
-            </a:r>
-            <a:r>
-              <a:rPr lang="en-US" dirty="0" err="1"/>
-              <a:t>i</a:t>
-            </a:r>
-            <a:r>
-              <a:rPr lang="en-US" dirty="0"/>
-              <a:t>] is calculated: R[</a:t>
-            </a:r>
-            <a:r>
-              <a:rPr lang="en-US" dirty="0" err="1"/>
-              <a:t>i</a:t>
-            </a:r>
-            <a:r>
-              <a:rPr lang="en-US" dirty="0"/>
-              <a:t>] = I - P[</a:t>
-            </a:r>
-            <a:r>
-              <a:rPr lang="en-US" dirty="0" err="1"/>
-              <a:t>i</a:t>
-            </a:r>
-            <a:r>
-              <a:rPr lang="en-US" dirty="0"/>
-              <a:t>].</a:t>
-            </a:r>
-          </a:p>
-          <a:p>
-            <a:r>
-              <a:rPr lang="en-US" dirty="0"/>
-              <a:t>Set </a:t>
-            </a:r>
-            <a:r>
-              <a:rPr lang="en-US" dirty="0" err="1"/>
-              <a:t>i</a:t>
-            </a:r>
-            <a:r>
-              <a:rPr lang="en-US" dirty="0"/>
-              <a:t>=i+1 and go to Step 3 (up to the desired number of iterations).</a:t>
-            </a:r>
-          </a:p>
-          <a:p>
-            <a:endParaRPr lang="ru-RU" dirty="0"/>
-          </a:p>
-        </p:txBody>
-      </p:sp>
+        </p:nvPicPr>
+        <p:blipFill>
+          <a:blip r:embed="rId2">
+            <a:extLst>
+              <a:ext uri="{28A0092B-C50C-407E-A947-70E740481C1C}">
+                <a14:useLocalDpi xmlns:a14="http://schemas.microsoft.com/office/drawing/2010/main" val="0"/>
+              </a:ext>
+            </a:extLst>
+          </a:blip>
+          <a:stretch>
+            <a:fillRect/>
+          </a:stretch>
+        </p:blipFill>
+        <p:spPr>
+          <a:xfrm>
+            <a:off x="457200" y="0"/>
+            <a:ext cx="8507288" cy="6525344"/>
+          </a:xfrm>
+        </p:spPr>
+      </p:pic>
     </p:spTree>
+    <p:extLst>
+      <p:ext uri="{BB962C8B-B14F-4D97-AF65-F5344CB8AC3E}">
+        <p14:creationId xmlns:p14="http://schemas.microsoft.com/office/powerpoint/2010/main" val="1158994878"/>
+      </p:ext>
+    </p:extLst>
   </p:cSld>
   <p:clrMapOvr>
     <a:masterClrMapping/>
   </p:clrMapOvr>
+  <p:timing>
+    <p:tnLst>
+      <p:par>
+        <p:cTn id="1" dur="indefinite" restart="never" nodeType="tmRoot"/>
+      </p:par>
+    </p:tnLst>
+  </p:timing>
 </p:sld>
 </file>
 

--- a/Image Compression with Neural Networks.pptx
+++ b/Image Compression with Neural Networks.pptx
@@ -2,7 +2,7 @@
 <file path=ppt/presentation.xml><?xml version="1.0" encoding="utf-8"?>
 <p:presentation xmlns:a="http://schemas.openxmlformats.org/drawingml/2006/main" xmlns:r="http://schemas.openxmlformats.org/officeDocument/2006/relationships" xmlns:p="http://schemas.openxmlformats.org/presentationml/2006/main" saveSubsetFonts="1">
   <p:sldMasterIdLst>
-    <p:sldMasterId id="2147483648" r:id="rId1"/>
+    <p:sldMasterId id="2147483690" r:id="rId1"/>
   </p:sldMasterIdLst>
   <p:sldIdLst>
     <p:sldId id="256" r:id="rId2"/>
@@ -25,9 +25,9 @@
   <p:notesSz cx="6858000" cy="9144000"/>
   <p:defaultTextStyle>
     <a:defPPr>
-      <a:defRPr lang="ru-RU"/>
+      <a:defRPr lang="en-US"/>
     </a:defPPr>
-    <a:lvl1pPr marL="0" algn="l" defTabSz="914400" rtl="0" eaLnBrk="1" latinLnBrk="0" hangingPunct="1">
+    <a:lvl1pPr marL="0" algn="l" defTabSz="457200" rtl="0" eaLnBrk="1" latinLnBrk="0" hangingPunct="1">
       <a:defRPr sz="1800" kern="1200">
         <a:solidFill>
           <a:schemeClr val="tx1"/>
@@ -37,7 +37,7 @@
         <a:cs typeface="+mn-cs"/>
       </a:defRPr>
     </a:lvl1pPr>
-    <a:lvl2pPr marL="457200" algn="l" defTabSz="914400" rtl="0" eaLnBrk="1" latinLnBrk="0" hangingPunct="1">
+    <a:lvl2pPr marL="457200" algn="l" defTabSz="457200" rtl="0" eaLnBrk="1" latinLnBrk="0" hangingPunct="1">
       <a:defRPr sz="1800" kern="1200">
         <a:solidFill>
           <a:schemeClr val="tx1"/>
@@ -47,7 +47,7 @@
         <a:cs typeface="+mn-cs"/>
       </a:defRPr>
     </a:lvl2pPr>
-    <a:lvl3pPr marL="914400" algn="l" defTabSz="914400" rtl="0" eaLnBrk="1" latinLnBrk="0" hangingPunct="1">
+    <a:lvl3pPr marL="914400" algn="l" defTabSz="457200" rtl="0" eaLnBrk="1" latinLnBrk="0" hangingPunct="1">
       <a:defRPr sz="1800" kern="1200">
         <a:solidFill>
           <a:schemeClr val="tx1"/>
@@ -57,7 +57,7 @@
         <a:cs typeface="+mn-cs"/>
       </a:defRPr>
     </a:lvl3pPr>
-    <a:lvl4pPr marL="1371600" algn="l" defTabSz="914400" rtl="0" eaLnBrk="1" latinLnBrk="0" hangingPunct="1">
+    <a:lvl4pPr marL="1371600" algn="l" defTabSz="457200" rtl="0" eaLnBrk="1" latinLnBrk="0" hangingPunct="1">
       <a:defRPr sz="1800" kern="1200">
         <a:solidFill>
           <a:schemeClr val="tx1"/>
@@ -67,7 +67,7 @@
         <a:cs typeface="+mn-cs"/>
       </a:defRPr>
     </a:lvl4pPr>
-    <a:lvl5pPr marL="1828800" algn="l" defTabSz="914400" rtl="0" eaLnBrk="1" latinLnBrk="0" hangingPunct="1">
+    <a:lvl5pPr marL="1828800" algn="l" defTabSz="457200" rtl="0" eaLnBrk="1" latinLnBrk="0" hangingPunct="1">
       <a:defRPr sz="1800" kern="1200">
         <a:solidFill>
           <a:schemeClr val="tx1"/>
@@ -77,7 +77,7 @@
         <a:cs typeface="+mn-cs"/>
       </a:defRPr>
     </a:lvl5pPr>
-    <a:lvl6pPr marL="2286000" algn="l" defTabSz="914400" rtl="0" eaLnBrk="1" latinLnBrk="0" hangingPunct="1">
+    <a:lvl6pPr marL="2286000" algn="l" defTabSz="457200" rtl="0" eaLnBrk="1" latinLnBrk="0" hangingPunct="1">
       <a:defRPr sz="1800" kern="1200">
         <a:solidFill>
           <a:schemeClr val="tx1"/>
@@ -87,7 +87,7 @@
         <a:cs typeface="+mn-cs"/>
       </a:defRPr>
     </a:lvl6pPr>
-    <a:lvl7pPr marL="2743200" algn="l" defTabSz="914400" rtl="0" eaLnBrk="1" latinLnBrk="0" hangingPunct="1">
+    <a:lvl7pPr marL="2743200" algn="l" defTabSz="457200" rtl="0" eaLnBrk="1" latinLnBrk="0" hangingPunct="1">
       <a:defRPr sz="1800" kern="1200">
         <a:solidFill>
           <a:schemeClr val="tx1"/>
@@ -97,7 +97,7 @@
         <a:cs typeface="+mn-cs"/>
       </a:defRPr>
     </a:lvl7pPr>
-    <a:lvl8pPr marL="3200400" algn="l" defTabSz="914400" rtl="0" eaLnBrk="1" latinLnBrk="0" hangingPunct="1">
+    <a:lvl8pPr marL="3200400" algn="l" defTabSz="457200" rtl="0" eaLnBrk="1" latinLnBrk="0" hangingPunct="1">
       <a:defRPr sz="1800" kern="1200">
         <a:solidFill>
           <a:schemeClr val="tx1"/>
@@ -107,7 +107,7 @@
         <a:cs typeface="+mn-cs"/>
       </a:defRPr>
     </a:lvl8pPr>
-    <a:lvl9pPr marL="3657600" algn="l" defTabSz="914400" rtl="0" eaLnBrk="1" latinLnBrk="0" hangingPunct="1">
+    <a:lvl9pPr marL="3657600" algn="l" defTabSz="457200" rtl="0" eaLnBrk="1" latinLnBrk="0" hangingPunct="1">
       <a:defRPr sz="1800" kern="1200">
         <a:solidFill>
           <a:schemeClr val="tx1"/>
@@ -140,6 +140,14 @@
 <file path=ppt/slideLayouts/slideLayout1.xml><?xml version="1.0" encoding="utf-8"?>
 <p:sldLayout xmlns:a="http://schemas.openxmlformats.org/drawingml/2006/main" xmlns:r="http://schemas.openxmlformats.org/officeDocument/2006/relationships" xmlns:p="http://schemas.openxmlformats.org/presentationml/2006/main" type="title" preserve="1">
   <p:cSld name="Титульный слайд">
+    <p:bg>
+      <p:bgPr>
+        <a:solidFill>
+          <a:schemeClr val="accent1"/>
+        </a:solidFill>
+        <a:effectLst/>
+      </p:bgPr>
+    </p:bg>
     <p:spTree>
       <p:nvGrpSpPr>
         <p:cNvPr id="1" name=""/>
@@ -156,207 +164,238 @@
       </p:grpSpPr>
       <p:sp>
         <p:nvSpPr>
-          <p:cNvPr id="2" name="Заголовок 1"/>
-          <p:cNvSpPr>
-            <a:spLocks noGrp="1"/>
-          </p:cNvSpPr>
-          <p:nvPr>
-            <p:ph type="ctrTitle"/>
-          </p:nvPr>
+          <p:cNvPr id="4" name="Rectangle 3"/>
+          <p:cNvSpPr/>
+          <p:nvPr/>
         </p:nvSpPr>
         <p:spPr>
           <a:xfrm>
-            <a:off x="685800" y="2130425"/>
-            <a:ext cx="7772400" cy="1470025"/>
+            <a:off x="0" y="0"/>
+            <a:ext cx="9144000" cy="6858000"/>
+          </a:xfrm>
+          <a:prstGeom prst="rect">
+            <a:avLst/>
+          </a:prstGeom>
+          <a:ln>
+            <a:noFill/>
+          </a:ln>
+        </p:spPr>
+        <p:style>
+          <a:lnRef idx="2">
+            <a:schemeClr val="accent1">
+              <a:shade val="50000"/>
+            </a:schemeClr>
+          </a:lnRef>
+          <a:fillRef idx="1">
+            <a:schemeClr val="accent1"/>
+          </a:fillRef>
+          <a:effectRef idx="0">
+            <a:schemeClr val="accent1"/>
+          </a:effectRef>
+          <a:fontRef idx="minor">
+            <a:schemeClr val="lt1"/>
+          </a:fontRef>
+        </p:style>
+      </p:sp>
+      <p:sp>
+        <p:nvSpPr>
+          <p:cNvPr id="2" name="Title 1"/>
+          <p:cNvSpPr>
+            <a:spLocks noGrp="1"/>
+          </p:cNvSpPr>
+          <p:nvPr>
+            <p:ph type="ctrTitle"/>
+          </p:nvPr>
+        </p:nvSpPr>
+        <p:spPr>
+          <a:xfrm>
+            <a:off x="452628" y="770467"/>
+            <a:ext cx="8086725" cy="3352800"/>
           </a:xfrm>
         </p:spPr>
         <p:txBody>
-          <a:bodyPr/>
-          <a:lstStyle/>
-          <a:p>
-            <a:r>
-              <a:rPr lang="ru-RU" smtClean="0"/>
-              <a:t>Образец заголовка</a:t>
-            </a:r>
-            <a:endParaRPr lang="ru-RU"/>
-          </a:p>
-        </p:txBody>
-      </p:sp>
-      <p:sp>
-        <p:nvSpPr>
-          <p:cNvPr id="3" name="Подзаголовок 2"/>
-          <p:cNvSpPr>
-            <a:spLocks noGrp="1"/>
-          </p:cNvSpPr>
-          <p:nvPr>
-            <p:ph type="subTitle" idx="1"/>
-          </p:nvPr>
-        </p:nvSpPr>
-        <p:spPr>
-          <a:xfrm>
-            <a:off x="1371600" y="3886200"/>
-            <a:ext cx="6400800" cy="1752600"/>
-          </a:xfrm>
-        </p:spPr>
-        <p:txBody>
-          <a:bodyPr/>
+          <a:bodyPr anchor="b">
+            <a:noAutofit/>
+          </a:bodyPr>
           <a:lstStyle>
-            <a:lvl1pPr marL="0" indent="0" algn="ctr">
-              <a:buNone/>
-              <a:defRPr>
+            <a:lvl1pPr algn="l">
+              <a:lnSpc>
+                <a:spcPct val="80000"/>
+              </a:lnSpc>
+              <a:defRPr sz="8000" spc="-120" baseline="0">
                 <a:solidFill>
-                  <a:schemeClr val="tx1">
-                    <a:tint val="75000"/>
-                  </a:schemeClr>
+                  <a:srgbClr val="FFFFFF"/>
                 </a:solidFill>
               </a:defRPr>
             </a:lvl1pPr>
+          </a:lstStyle>
+          <a:p>
+            <a:r>
+              <a:rPr lang="ru-RU" smtClean="0"/>
+              <a:t>Образец заголовка</a:t>
+            </a:r>
+            <a:endParaRPr lang="en-US" dirty="0"/>
+          </a:p>
+        </p:txBody>
+      </p:sp>
+      <p:sp>
+        <p:nvSpPr>
+          <p:cNvPr id="3" name="Subtitle 2"/>
+          <p:cNvSpPr>
+            <a:spLocks noGrp="1"/>
+          </p:cNvSpPr>
+          <p:nvPr>
+            <p:ph type="subTitle" idx="1"/>
+          </p:nvPr>
+        </p:nvSpPr>
+        <p:spPr>
+          <a:xfrm>
+            <a:off x="500634" y="4198409"/>
+            <a:ext cx="6921151" cy="1645920"/>
+          </a:xfrm>
+        </p:spPr>
+        <p:txBody>
+          <a:bodyPr>
+            <a:normAutofit/>
+          </a:bodyPr>
+          <a:lstStyle>
+            <a:lvl1pPr marL="0" indent="0" algn="l">
+              <a:buNone/>
+              <a:defRPr sz="2800">
+                <a:solidFill>
+                  <a:schemeClr val="bg1"/>
+                </a:solidFill>
+                <a:latin typeface="+mj-lt"/>
+              </a:defRPr>
+            </a:lvl1pPr>
             <a:lvl2pPr marL="457200" indent="0" algn="ctr">
               <a:buNone/>
+              <a:defRPr sz="2800"/>
+            </a:lvl2pPr>
+            <a:lvl3pPr marL="914400" indent="0" algn="ctr">
+              <a:buNone/>
+              <a:defRPr sz="2400"/>
+            </a:lvl3pPr>
+            <a:lvl4pPr marL="1371600" indent="0" algn="ctr">
+              <a:buNone/>
+              <a:defRPr sz="2000"/>
+            </a:lvl4pPr>
+            <a:lvl5pPr marL="1828800" indent="0" algn="ctr">
+              <a:buNone/>
+              <a:defRPr sz="2000"/>
+            </a:lvl5pPr>
+            <a:lvl6pPr marL="2286000" indent="0" algn="ctr">
+              <a:buNone/>
+              <a:defRPr sz="2000"/>
+            </a:lvl6pPr>
+            <a:lvl7pPr marL="2743200" indent="0" algn="ctr">
+              <a:buNone/>
+              <a:defRPr sz="2000"/>
+            </a:lvl7pPr>
+            <a:lvl8pPr marL="3200400" indent="0" algn="ctr">
+              <a:buNone/>
+              <a:defRPr sz="2000"/>
+            </a:lvl8pPr>
+            <a:lvl9pPr marL="3657600" indent="0" algn="ctr">
+              <a:buNone/>
+              <a:defRPr sz="2000"/>
+            </a:lvl9pPr>
+          </a:lstStyle>
+          <a:p>
+            <a:r>
+              <a:rPr lang="ru-RU" smtClean="0"/>
+              <a:t>Образец подзаголовка</a:t>
+            </a:r>
+            <a:endParaRPr lang="en-US" dirty="0"/>
+          </a:p>
+        </p:txBody>
+      </p:sp>
+      <p:sp>
+        <p:nvSpPr>
+          <p:cNvPr id="7" name="Date Placeholder 6"/>
+          <p:cNvSpPr>
+            <a:spLocks noGrp="1"/>
+          </p:cNvSpPr>
+          <p:nvPr>
+            <p:ph type="dt" sz="half" idx="10"/>
+          </p:nvPr>
+        </p:nvSpPr>
+        <p:spPr/>
+        <p:txBody>
+          <a:bodyPr/>
+          <a:lstStyle>
+            <a:lvl1pPr>
               <a:defRPr>
                 <a:solidFill>
-                  <a:schemeClr val="tx1">
-                    <a:tint val="75000"/>
-                  </a:schemeClr>
+                  <a:srgbClr val="FFFFFF">
+                    <a:alpha val="75000"/>
+                  </a:srgbClr>
                 </a:solidFill>
               </a:defRPr>
-            </a:lvl2pPr>
-            <a:lvl3pPr marL="914400" indent="0" algn="ctr">
-              <a:buNone/>
+            </a:lvl1pPr>
+          </a:lstStyle>
+          <a:p>
+            <a:fld id="{81F02B84-2724-4998-9FA1-23616E67724A}" type="datetimeFigureOut">
+              <a:rPr lang="ru-RU" smtClean="0"/>
+              <a:t>19.10.2016</a:t>
+            </a:fld>
+            <a:endParaRPr lang="ru-RU"/>
+          </a:p>
+        </p:txBody>
+      </p:sp>
+      <p:sp>
+        <p:nvSpPr>
+          <p:cNvPr id="8" name="Footer Placeholder 7"/>
+          <p:cNvSpPr>
+            <a:spLocks noGrp="1"/>
+          </p:cNvSpPr>
+          <p:nvPr>
+            <p:ph type="ftr" sz="quarter" idx="11"/>
+          </p:nvPr>
+        </p:nvSpPr>
+        <p:spPr/>
+        <p:txBody>
+          <a:bodyPr/>
+          <a:lstStyle>
+            <a:lvl1pPr>
               <a:defRPr>
                 <a:solidFill>
-                  <a:schemeClr val="tx1">
-                    <a:tint val="75000"/>
-                  </a:schemeClr>
+                  <a:srgbClr val="FFFFFF">
+                    <a:alpha val="75000"/>
+                  </a:srgbClr>
                 </a:solidFill>
               </a:defRPr>
-            </a:lvl3pPr>
-            <a:lvl4pPr marL="1371600" indent="0" algn="ctr">
-              <a:buNone/>
+            </a:lvl1pPr>
+          </a:lstStyle>
+          <a:p>
+            <a:endParaRPr lang="ru-RU"/>
+          </a:p>
+        </p:txBody>
+      </p:sp>
+      <p:sp>
+        <p:nvSpPr>
+          <p:cNvPr id="9" name="Slide Number Placeholder 8"/>
+          <p:cNvSpPr>
+            <a:spLocks noGrp="1"/>
+          </p:cNvSpPr>
+          <p:nvPr>
+            <p:ph type="sldNum" sz="quarter" idx="12"/>
+          </p:nvPr>
+        </p:nvSpPr>
+        <p:spPr/>
+        <p:txBody>
+          <a:bodyPr/>
+          <a:lstStyle>
+            <a:lvl1pPr>
               <a:defRPr>
                 <a:solidFill>
-                  <a:schemeClr val="tx1">
-                    <a:tint val="75000"/>
-                  </a:schemeClr>
+                  <a:srgbClr val="FFFFFF">
+                    <a:alpha val="20000"/>
+                  </a:srgbClr>
                 </a:solidFill>
               </a:defRPr>
-            </a:lvl4pPr>
-            <a:lvl5pPr marL="1828800" indent="0" algn="ctr">
-              <a:buNone/>
-              <a:defRPr>
-                <a:solidFill>
-                  <a:schemeClr val="tx1">
-                    <a:tint val="75000"/>
-                  </a:schemeClr>
-                </a:solidFill>
-              </a:defRPr>
-            </a:lvl5pPr>
-            <a:lvl6pPr marL="2286000" indent="0" algn="ctr">
-              <a:buNone/>
-              <a:defRPr>
-                <a:solidFill>
-                  <a:schemeClr val="tx1">
-                    <a:tint val="75000"/>
-                  </a:schemeClr>
-                </a:solidFill>
-              </a:defRPr>
-            </a:lvl6pPr>
-            <a:lvl7pPr marL="2743200" indent="0" algn="ctr">
-              <a:buNone/>
-              <a:defRPr>
-                <a:solidFill>
-                  <a:schemeClr val="tx1">
-                    <a:tint val="75000"/>
-                  </a:schemeClr>
-                </a:solidFill>
-              </a:defRPr>
-            </a:lvl7pPr>
-            <a:lvl8pPr marL="3200400" indent="0" algn="ctr">
-              <a:buNone/>
-              <a:defRPr>
-                <a:solidFill>
-                  <a:schemeClr val="tx1">
-                    <a:tint val="75000"/>
-                  </a:schemeClr>
-                </a:solidFill>
-              </a:defRPr>
-            </a:lvl8pPr>
-            <a:lvl9pPr marL="3657600" indent="0" algn="ctr">
-              <a:buNone/>
-              <a:defRPr>
-                <a:solidFill>
-                  <a:schemeClr val="tx1">
-                    <a:tint val="75000"/>
-                  </a:schemeClr>
-                </a:solidFill>
-              </a:defRPr>
-            </a:lvl9pPr>
+            </a:lvl1pPr>
           </a:lstStyle>
-          <a:p>
-            <a:r>
-              <a:rPr lang="ru-RU" smtClean="0"/>
-              <a:t>Образец подзаголовка</a:t>
-            </a:r>
-            <a:endParaRPr lang="ru-RU"/>
-          </a:p>
-        </p:txBody>
-      </p:sp>
-      <p:sp>
-        <p:nvSpPr>
-          <p:cNvPr id="4" name="Дата 3"/>
-          <p:cNvSpPr>
-            <a:spLocks noGrp="1"/>
-          </p:cNvSpPr>
-          <p:nvPr>
-            <p:ph type="dt" sz="half" idx="10"/>
-          </p:nvPr>
-        </p:nvSpPr>
-        <p:spPr/>
-        <p:txBody>
-          <a:bodyPr/>
-          <a:lstStyle/>
-          <a:p>
-            <a:fld id="{81F02B84-2724-4998-9FA1-23616E67724A}" type="datetimeFigureOut">
-              <a:rPr lang="ru-RU" smtClean="0"/>
-              <a:t>17.10.2016</a:t>
-            </a:fld>
-            <a:endParaRPr lang="ru-RU"/>
-          </a:p>
-        </p:txBody>
-      </p:sp>
-      <p:sp>
-        <p:nvSpPr>
-          <p:cNvPr id="5" name="Нижний колонтитул 4"/>
-          <p:cNvSpPr>
-            <a:spLocks noGrp="1"/>
-          </p:cNvSpPr>
-          <p:nvPr>
-            <p:ph type="ftr" sz="quarter" idx="11"/>
-          </p:nvPr>
-        </p:nvSpPr>
-        <p:spPr/>
-        <p:txBody>
-          <a:bodyPr/>
-          <a:lstStyle/>
-          <a:p>
-            <a:endParaRPr lang="ru-RU"/>
-          </a:p>
-        </p:txBody>
-      </p:sp>
-      <p:sp>
-        <p:nvSpPr>
-          <p:cNvPr id="6" name="Номер слайда 5"/>
-          <p:cNvSpPr>
-            <a:spLocks noGrp="1"/>
-          </p:cNvSpPr>
-          <p:nvPr>
-            <p:ph type="sldNum" sz="quarter" idx="12"/>
-          </p:nvPr>
-        </p:nvSpPr>
-        <p:spPr/>
-        <p:txBody>
-          <a:bodyPr/>
-          <a:lstStyle/>
           <a:p>
             <a:fld id="{59BD4EE7-3A0D-47BA-A1CD-76BAC7DE5E02}" type="slidenum">
               <a:rPr lang="ru-RU" smtClean="0"/>
@@ -367,6 +406,11 @@
         </p:txBody>
       </p:sp>
     </p:spTree>
+    <p:extLst>
+      <p:ext uri="{BB962C8B-B14F-4D97-AF65-F5344CB8AC3E}">
+        <p14:creationId xmlns:p14="http://schemas.microsoft.com/office/powerpoint/2010/main" val="2086898153"/>
+      </p:ext>
+    </p:extLst>
   </p:cSld>
   <p:clrMapOvr>
     <a:masterClrMapping/>
@@ -393,7 +437,7 @@
       </p:grpSpPr>
       <p:sp>
         <p:nvSpPr>
-          <p:cNvPr id="2" name="Заголовок 1"/>
+          <p:cNvPr id="2" name="Title 1"/>
           <p:cNvSpPr>
             <a:spLocks noGrp="1"/>
           </p:cNvSpPr>
@@ -410,13 +454,13 @@
               <a:rPr lang="ru-RU" smtClean="0"/>
               <a:t>Образец заголовка</a:t>
             </a:r>
-            <a:endParaRPr lang="ru-RU"/>
-          </a:p>
-        </p:txBody>
-      </p:sp>
-      <p:sp>
-        <p:nvSpPr>
-          <p:cNvPr id="3" name="Вертикальный текст 2"/>
+            <a:endParaRPr lang="en-US" dirty="0"/>
+          </a:p>
+        </p:txBody>
+      </p:sp>
+      <p:sp>
+        <p:nvSpPr>
+          <p:cNvPr id="3" name="Vertical Text Placeholder 2"/>
           <p:cNvSpPr>
             <a:spLocks noGrp="1"/>
           </p:cNvSpPr>
@@ -462,13 +506,13 @@
               <a:rPr lang="ru-RU" smtClean="0"/>
               <a:t>Пятый уровень</a:t>
             </a:r>
-            <a:endParaRPr lang="ru-RU"/>
-          </a:p>
-        </p:txBody>
-      </p:sp>
-      <p:sp>
-        <p:nvSpPr>
-          <p:cNvPr id="4" name="Дата 3"/>
+            <a:endParaRPr lang="en-US" dirty="0"/>
+          </a:p>
+        </p:txBody>
+      </p:sp>
+      <p:sp>
+        <p:nvSpPr>
+          <p:cNvPr id="4" name="Date Placeholder 3"/>
           <p:cNvSpPr>
             <a:spLocks noGrp="1"/>
           </p:cNvSpPr>
@@ -483,7 +527,7 @@
           <a:p>
             <a:fld id="{81F02B84-2724-4998-9FA1-23616E67724A}" type="datetimeFigureOut">
               <a:rPr lang="ru-RU" smtClean="0"/>
-              <a:t>17.10.2016</a:t>
+              <a:t>19.10.2016</a:t>
             </a:fld>
             <a:endParaRPr lang="ru-RU"/>
           </a:p>
@@ -491,7 +535,7 @@
       </p:sp>
       <p:sp>
         <p:nvSpPr>
-          <p:cNvPr id="5" name="Нижний колонтитул 4"/>
+          <p:cNvPr id="5" name="Footer Placeholder 4"/>
           <p:cNvSpPr>
             <a:spLocks noGrp="1"/>
           </p:cNvSpPr>
@@ -510,7 +554,7 @@
       </p:sp>
       <p:sp>
         <p:nvSpPr>
-          <p:cNvPr id="6" name="Номер слайда 5"/>
+          <p:cNvPr id="6" name="Slide Number Placeholder 5"/>
           <p:cNvSpPr>
             <a:spLocks noGrp="1"/>
           </p:cNvSpPr>
@@ -532,6 +576,11 @@
         </p:txBody>
       </p:sp>
     </p:spTree>
+    <p:extLst>
+      <p:ext uri="{BB962C8B-B14F-4D97-AF65-F5344CB8AC3E}">
+        <p14:creationId xmlns:p14="http://schemas.microsoft.com/office/powerpoint/2010/main" val="1553890086"/>
+      </p:ext>
+    </p:extLst>
   </p:cSld>
   <p:clrMapOvr>
     <a:masterClrMapping/>
@@ -558,7 +607,7 @@
       </p:grpSpPr>
       <p:sp>
         <p:nvSpPr>
-          <p:cNvPr id="2" name="Вертикальный заголовок 1"/>
+          <p:cNvPr id="2" name="Vertical Title 1"/>
           <p:cNvSpPr>
             <a:spLocks noGrp="1"/>
           </p:cNvSpPr>
@@ -568,8 +617,8 @@
         </p:nvSpPr>
         <p:spPr>
           <a:xfrm>
-            <a:off x="6629400" y="274638"/>
-            <a:ext cx="2057400" cy="5851525"/>
+            <a:off x="6557963" y="695325"/>
+            <a:ext cx="1971675" cy="4800600"/>
           </a:xfrm>
         </p:spPr>
         <p:txBody>
@@ -580,13 +629,13 @@
               <a:rPr lang="ru-RU" smtClean="0"/>
               <a:t>Образец заголовка</a:t>
             </a:r>
-            <a:endParaRPr lang="ru-RU"/>
-          </a:p>
-        </p:txBody>
-      </p:sp>
-      <p:sp>
-        <p:nvSpPr>
-          <p:cNvPr id="3" name="Вертикальный текст 2"/>
+            <a:endParaRPr lang="en-US" dirty="0"/>
+          </a:p>
+        </p:txBody>
+      </p:sp>
+      <p:sp>
+        <p:nvSpPr>
+          <p:cNvPr id="3" name="Vertical Text Placeholder 2"/>
           <p:cNvSpPr>
             <a:spLocks noGrp="1"/>
           </p:cNvSpPr>
@@ -596,8 +645,8 @@
         </p:nvSpPr>
         <p:spPr>
           <a:xfrm>
-            <a:off x="457200" y="274638"/>
-            <a:ext cx="6019800" cy="5851525"/>
+            <a:off x="578644" y="714376"/>
+            <a:ext cx="5800725" cy="5400675"/>
           </a:xfrm>
         </p:spPr>
         <p:txBody>
@@ -637,13 +686,13 @@
               <a:rPr lang="ru-RU" smtClean="0"/>
               <a:t>Пятый уровень</a:t>
             </a:r>
-            <a:endParaRPr lang="ru-RU"/>
-          </a:p>
-        </p:txBody>
-      </p:sp>
-      <p:sp>
-        <p:nvSpPr>
-          <p:cNvPr id="4" name="Дата 3"/>
+            <a:endParaRPr lang="en-US" dirty="0"/>
+          </a:p>
+        </p:txBody>
+      </p:sp>
+      <p:sp>
+        <p:nvSpPr>
+          <p:cNvPr id="4" name="Date Placeholder 3"/>
           <p:cNvSpPr>
             <a:spLocks noGrp="1"/>
           </p:cNvSpPr>
@@ -658,7 +707,7 @@
           <a:p>
             <a:fld id="{81F02B84-2724-4998-9FA1-23616E67724A}" type="datetimeFigureOut">
               <a:rPr lang="ru-RU" smtClean="0"/>
-              <a:t>17.10.2016</a:t>
+              <a:t>19.10.2016</a:t>
             </a:fld>
             <a:endParaRPr lang="ru-RU"/>
           </a:p>
@@ -666,7 +715,7 @@
       </p:sp>
       <p:sp>
         <p:nvSpPr>
-          <p:cNvPr id="5" name="Нижний колонтитул 4"/>
+          <p:cNvPr id="5" name="Footer Placeholder 4"/>
           <p:cNvSpPr>
             <a:spLocks noGrp="1"/>
           </p:cNvSpPr>
@@ -685,7 +734,7 @@
       </p:sp>
       <p:sp>
         <p:nvSpPr>
-          <p:cNvPr id="6" name="Номер слайда 5"/>
+          <p:cNvPr id="6" name="Slide Number Placeholder 5"/>
           <p:cNvSpPr>
             <a:spLocks noGrp="1"/>
           </p:cNvSpPr>
@@ -707,6 +756,11 @@
         </p:txBody>
       </p:sp>
     </p:spTree>
+    <p:extLst>
+      <p:ext uri="{BB962C8B-B14F-4D97-AF65-F5344CB8AC3E}">
+        <p14:creationId xmlns:p14="http://schemas.microsoft.com/office/powerpoint/2010/main" val="2036896567"/>
+      </p:ext>
+    </p:extLst>
   </p:cSld>
   <p:clrMapOvr>
     <a:masterClrMapping/>
@@ -733,7 +787,7 @@
       </p:grpSpPr>
       <p:sp>
         <p:nvSpPr>
-          <p:cNvPr id="2" name="Заголовок 1"/>
+          <p:cNvPr id="2" name="Title 1"/>
           <p:cNvSpPr>
             <a:spLocks noGrp="1"/>
           </p:cNvSpPr>
@@ -750,13 +804,13 @@
               <a:rPr lang="ru-RU" smtClean="0"/>
               <a:t>Образец заголовка</a:t>
             </a:r>
-            <a:endParaRPr lang="ru-RU"/>
-          </a:p>
-        </p:txBody>
-      </p:sp>
-      <p:sp>
-        <p:nvSpPr>
-          <p:cNvPr id="3" name="Содержимое 2"/>
+            <a:endParaRPr lang="en-US" dirty="0"/>
+          </a:p>
+        </p:txBody>
+      </p:sp>
+      <p:sp>
+        <p:nvSpPr>
+          <p:cNvPr id="3" name="Content Placeholder 2"/>
           <p:cNvSpPr>
             <a:spLocks noGrp="1"/>
           </p:cNvSpPr>
@@ -802,13 +856,13 @@
               <a:rPr lang="ru-RU" smtClean="0"/>
               <a:t>Пятый уровень</a:t>
             </a:r>
-            <a:endParaRPr lang="ru-RU"/>
-          </a:p>
-        </p:txBody>
-      </p:sp>
-      <p:sp>
-        <p:nvSpPr>
-          <p:cNvPr id="4" name="Дата 3"/>
+            <a:endParaRPr lang="en-US" dirty="0"/>
+          </a:p>
+        </p:txBody>
+      </p:sp>
+      <p:sp>
+        <p:nvSpPr>
+          <p:cNvPr id="4" name="Date Placeholder 3"/>
           <p:cNvSpPr>
             <a:spLocks noGrp="1"/>
           </p:cNvSpPr>
@@ -823,7 +877,7 @@
           <a:p>
             <a:fld id="{81F02B84-2724-4998-9FA1-23616E67724A}" type="datetimeFigureOut">
               <a:rPr lang="ru-RU" smtClean="0"/>
-              <a:t>17.10.2016</a:t>
+              <a:t>19.10.2016</a:t>
             </a:fld>
             <a:endParaRPr lang="ru-RU"/>
           </a:p>
@@ -831,7 +885,7 @@
       </p:sp>
       <p:sp>
         <p:nvSpPr>
-          <p:cNvPr id="5" name="Нижний колонтитул 4"/>
+          <p:cNvPr id="5" name="Footer Placeholder 4"/>
           <p:cNvSpPr>
             <a:spLocks noGrp="1"/>
           </p:cNvSpPr>
@@ -850,7 +904,7 @@
       </p:sp>
       <p:sp>
         <p:nvSpPr>
-          <p:cNvPr id="6" name="Номер слайда 5"/>
+          <p:cNvPr id="6" name="Slide Number Placeholder 5"/>
           <p:cNvSpPr>
             <a:spLocks noGrp="1"/>
           </p:cNvSpPr>
@@ -872,6 +926,11 @@
         </p:txBody>
       </p:sp>
     </p:spTree>
+    <p:extLst>
+      <p:ext uri="{BB962C8B-B14F-4D97-AF65-F5344CB8AC3E}">
+        <p14:creationId xmlns:p14="http://schemas.microsoft.com/office/powerpoint/2010/main" val="1727463666"/>
+      </p:ext>
+    </p:extLst>
   </p:cSld>
   <p:clrMapOvr>
     <a:masterClrMapping/>
@@ -898,7 +957,7 @@
       </p:grpSpPr>
       <p:sp>
         <p:nvSpPr>
-          <p:cNvPr id="2" name="Заголовок 1"/>
+          <p:cNvPr id="2" name="Title 1"/>
           <p:cNvSpPr>
             <a:spLocks noGrp="1"/>
           </p:cNvSpPr>
@@ -908,15 +967,24 @@
         </p:nvSpPr>
         <p:spPr>
           <a:xfrm>
-            <a:off x="722313" y="4406900"/>
-            <a:ext cx="7772400" cy="1362075"/>
+            <a:off x="452628" y="767419"/>
+            <a:ext cx="8085582" cy="3355848"/>
           </a:xfrm>
         </p:spPr>
         <p:txBody>
-          <a:bodyPr anchor="t"/>
+          <a:bodyPr anchor="b">
+            <a:normAutofit/>
+          </a:bodyPr>
           <a:lstStyle>
-            <a:lvl1pPr algn="l">
-              <a:defRPr sz="4000" b="1" cap="all"/>
+            <a:lvl1pPr>
+              <a:lnSpc>
+                <a:spcPct val="80000"/>
+              </a:lnSpc>
+              <a:defRPr sz="8000" b="0" baseline="0">
+                <a:solidFill>
+                  <a:schemeClr val="accent1"/>
+                </a:solidFill>
+              </a:defRPr>
             </a:lvl1pPr>
           </a:lstStyle>
           <a:p>
@@ -924,13 +992,13 @@
               <a:rPr lang="ru-RU" smtClean="0"/>
               <a:t>Образец заголовка</a:t>
             </a:r>
-            <a:endParaRPr lang="ru-RU"/>
-          </a:p>
-        </p:txBody>
-      </p:sp>
-      <p:sp>
-        <p:nvSpPr>
-          <p:cNvPr id="3" name="Текст 2"/>
+            <a:endParaRPr lang="en-US" dirty="0"/>
+          </a:p>
+        </p:txBody>
+      </p:sp>
+      <p:sp>
+        <p:nvSpPr>
+          <p:cNvPr id="3" name="Text Placeholder 2"/>
           <p:cNvSpPr>
             <a:spLocks noGrp="1"/>
           </p:cNvSpPr>
@@ -940,21 +1008,22 @@
         </p:nvSpPr>
         <p:spPr>
           <a:xfrm>
-            <a:off x="722313" y="2906713"/>
-            <a:ext cx="7772400" cy="1500187"/>
+            <a:off x="500634" y="4187275"/>
+            <a:ext cx="6919722" cy="1645920"/>
           </a:xfrm>
         </p:spPr>
         <p:txBody>
-          <a:bodyPr anchor="b"/>
+          <a:bodyPr anchor="t">
+            <a:normAutofit/>
+          </a:bodyPr>
           <a:lstStyle>
             <a:lvl1pPr marL="0" indent="0">
               <a:buNone/>
-              <a:defRPr sz="2000">
+              <a:defRPr sz="2800">
                 <a:solidFill>
-                  <a:schemeClr val="tx1">
-                    <a:tint val="75000"/>
-                  </a:schemeClr>
+                  <a:schemeClr val="tx1"/>
                 </a:solidFill>
+                <a:latin typeface="+mj-lt"/>
               </a:defRPr>
             </a:lvl1pPr>
             <a:lvl2pPr marL="457200" indent="0">
@@ -1049,7 +1118,7 @@
       </p:sp>
       <p:sp>
         <p:nvSpPr>
-          <p:cNvPr id="4" name="Дата 3"/>
+          <p:cNvPr id="4" name="Date Placeholder 3"/>
           <p:cNvSpPr>
             <a:spLocks noGrp="1"/>
           </p:cNvSpPr>
@@ -1064,7 +1133,7 @@
           <a:p>
             <a:fld id="{81F02B84-2724-4998-9FA1-23616E67724A}" type="datetimeFigureOut">
               <a:rPr lang="ru-RU" smtClean="0"/>
-              <a:t>17.10.2016</a:t>
+              <a:t>19.10.2016</a:t>
             </a:fld>
             <a:endParaRPr lang="ru-RU"/>
           </a:p>
@@ -1072,7 +1141,7 @@
       </p:sp>
       <p:sp>
         <p:nvSpPr>
-          <p:cNvPr id="5" name="Нижний колонтитул 4"/>
+          <p:cNvPr id="5" name="Footer Placeholder 4"/>
           <p:cNvSpPr>
             <a:spLocks noGrp="1"/>
           </p:cNvSpPr>
@@ -1091,7 +1160,7 @@
       </p:sp>
       <p:sp>
         <p:nvSpPr>
-          <p:cNvPr id="6" name="Номер слайда 5"/>
+          <p:cNvPr id="6" name="Slide Number Placeholder 5"/>
           <p:cNvSpPr>
             <a:spLocks noGrp="1"/>
           </p:cNvSpPr>
@@ -1113,6 +1182,11 @@
         </p:txBody>
       </p:sp>
     </p:spTree>
+    <p:extLst>
+      <p:ext uri="{BB962C8B-B14F-4D97-AF65-F5344CB8AC3E}">
+        <p14:creationId xmlns:p14="http://schemas.microsoft.com/office/powerpoint/2010/main" val="669369725"/>
+      </p:ext>
+    </p:extLst>
   </p:cSld>
   <p:clrMapOvr>
     <a:masterClrMapping/>
@@ -1139,7 +1213,7 @@
       </p:grpSpPr>
       <p:sp>
         <p:nvSpPr>
-          <p:cNvPr id="2" name="Заголовок 1"/>
+          <p:cNvPr id="2" name="Title 1"/>
           <p:cNvSpPr>
             <a:spLocks noGrp="1"/>
           </p:cNvSpPr>
@@ -1156,13 +1230,13 @@
               <a:rPr lang="ru-RU" smtClean="0"/>
               <a:t>Образец заголовка</a:t>
             </a:r>
-            <a:endParaRPr lang="ru-RU"/>
-          </a:p>
-        </p:txBody>
-      </p:sp>
-      <p:sp>
-        <p:nvSpPr>
-          <p:cNvPr id="3" name="Содержимое 2"/>
+            <a:endParaRPr lang="en-US" dirty="0"/>
+          </a:p>
+        </p:txBody>
+      </p:sp>
+      <p:sp>
+        <p:nvSpPr>
+          <p:cNvPr id="3" name="Content Placeholder 2"/>
           <p:cNvSpPr>
             <a:spLocks noGrp="1"/>
           </p:cNvSpPr>
@@ -1172,39 +1246,39 @@
         </p:nvSpPr>
         <p:spPr>
           <a:xfrm>
-            <a:off x="457200" y="1600200"/>
-            <a:ext cx="4038600" cy="4525963"/>
+            <a:off x="507492" y="1993392"/>
+            <a:ext cx="3806190" cy="3767328"/>
           </a:xfrm>
         </p:spPr>
         <p:txBody>
           <a:bodyPr/>
           <a:lstStyle>
             <a:lvl1pPr>
-              <a:defRPr sz="2800"/>
+              <a:defRPr sz="2200"/>
             </a:lvl1pPr>
             <a:lvl2pPr>
-              <a:defRPr sz="2400"/>
+              <a:defRPr sz="1900"/>
             </a:lvl2pPr>
             <a:lvl3pPr>
-              <a:defRPr sz="2000"/>
+              <a:defRPr sz="1700"/>
             </a:lvl3pPr>
             <a:lvl4pPr>
-              <a:defRPr sz="1800"/>
+              <a:defRPr sz="1500"/>
             </a:lvl4pPr>
             <a:lvl5pPr>
-              <a:defRPr sz="1800"/>
+              <a:defRPr sz="1400"/>
             </a:lvl5pPr>
             <a:lvl6pPr>
-              <a:defRPr sz="1800"/>
+              <a:defRPr sz="1400"/>
             </a:lvl6pPr>
             <a:lvl7pPr>
-              <a:defRPr sz="1800"/>
+              <a:defRPr sz="1400"/>
             </a:lvl7pPr>
             <a:lvl8pPr>
-              <a:defRPr sz="1800"/>
+              <a:defRPr sz="1400"/>
             </a:lvl8pPr>
             <a:lvl9pPr>
-              <a:defRPr sz="1800"/>
+              <a:defRPr sz="1400"/>
             </a:lvl9pPr>
           </a:lstStyle>
           <a:p>
@@ -1241,13 +1315,13 @@
               <a:rPr lang="ru-RU" smtClean="0"/>
               <a:t>Пятый уровень</a:t>
             </a:r>
-            <a:endParaRPr lang="ru-RU"/>
-          </a:p>
-        </p:txBody>
-      </p:sp>
-      <p:sp>
-        <p:nvSpPr>
-          <p:cNvPr id="4" name="Содержимое 3"/>
+            <a:endParaRPr lang="en-US" dirty="0"/>
+          </a:p>
+        </p:txBody>
+      </p:sp>
+      <p:sp>
+        <p:nvSpPr>
+          <p:cNvPr id="4" name="Content Placeholder 3"/>
           <p:cNvSpPr>
             <a:spLocks noGrp="1"/>
           </p:cNvSpPr>
@@ -1257,39 +1331,39 @@
         </p:nvSpPr>
         <p:spPr>
           <a:xfrm>
-            <a:off x="4648200" y="1600200"/>
-            <a:ext cx="4038600" cy="4525963"/>
+            <a:off x="4757738" y="1993392"/>
+            <a:ext cx="3806190" cy="3767328"/>
           </a:xfrm>
         </p:spPr>
         <p:txBody>
           <a:bodyPr/>
           <a:lstStyle>
             <a:lvl1pPr>
-              <a:defRPr sz="2800"/>
+              <a:defRPr sz="2200"/>
             </a:lvl1pPr>
             <a:lvl2pPr>
-              <a:defRPr sz="2400"/>
+              <a:defRPr sz="1900"/>
             </a:lvl2pPr>
             <a:lvl3pPr>
-              <a:defRPr sz="2000"/>
+              <a:defRPr sz="1700"/>
             </a:lvl3pPr>
             <a:lvl4pPr>
-              <a:defRPr sz="1800"/>
+              <a:defRPr sz="1500"/>
             </a:lvl4pPr>
             <a:lvl5pPr>
-              <a:defRPr sz="1800"/>
+              <a:defRPr sz="1400"/>
             </a:lvl5pPr>
             <a:lvl6pPr>
-              <a:defRPr sz="1800"/>
+              <a:defRPr sz="1400"/>
             </a:lvl6pPr>
             <a:lvl7pPr>
-              <a:defRPr sz="1800"/>
+              <a:defRPr sz="1400"/>
             </a:lvl7pPr>
             <a:lvl8pPr>
-              <a:defRPr sz="1800"/>
+              <a:defRPr sz="1400"/>
             </a:lvl8pPr>
             <a:lvl9pPr>
-              <a:defRPr sz="1800"/>
+              <a:defRPr sz="1400"/>
             </a:lvl9pPr>
           </a:lstStyle>
           <a:p>
@@ -1326,13 +1400,13 @@
               <a:rPr lang="ru-RU" smtClean="0"/>
               <a:t>Пятый уровень</a:t>
             </a:r>
-            <a:endParaRPr lang="ru-RU"/>
-          </a:p>
-        </p:txBody>
-      </p:sp>
-      <p:sp>
-        <p:nvSpPr>
-          <p:cNvPr id="5" name="Дата 4"/>
+            <a:endParaRPr lang="en-US" dirty="0"/>
+          </a:p>
+        </p:txBody>
+      </p:sp>
+      <p:sp>
+        <p:nvSpPr>
+          <p:cNvPr id="5" name="Date Placeholder 4"/>
           <p:cNvSpPr>
             <a:spLocks noGrp="1"/>
           </p:cNvSpPr>
@@ -1347,7 +1421,7 @@
           <a:p>
             <a:fld id="{81F02B84-2724-4998-9FA1-23616E67724A}" type="datetimeFigureOut">
               <a:rPr lang="ru-RU" smtClean="0"/>
-              <a:t>17.10.2016</a:t>
+              <a:t>19.10.2016</a:t>
             </a:fld>
             <a:endParaRPr lang="ru-RU"/>
           </a:p>
@@ -1355,7 +1429,7 @@
       </p:sp>
       <p:sp>
         <p:nvSpPr>
-          <p:cNvPr id="6" name="Нижний колонтитул 5"/>
+          <p:cNvPr id="6" name="Footer Placeholder 5"/>
           <p:cNvSpPr>
             <a:spLocks noGrp="1"/>
           </p:cNvSpPr>
@@ -1374,7 +1448,7 @@
       </p:sp>
       <p:sp>
         <p:nvSpPr>
-          <p:cNvPr id="7" name="Номер слайда 6"/>
+          <p:cNvPr id="7" name="Slide Number Placeholder 6"/>
           <p:cNvSpPr>
             <a:spLocks noGrp="1"/>
           </p:cNvSpPr>
@@ -1396,6 +1470,11 @@
         </p:txBody>
       </p:sp>
     </p:spTree>
+    <p:extLst>
+      <p:ext uri="{BB962C8B-B14F-4D97-AF65-F5344CB8AC3E}">
+        <p14:creationId xmlns:p14="http://schemas.microsoft.com/office/powerpoint/2010/main" val="3345305094"/>
+      </p:ext>
+    </p:extLst>
   </p:cSld>
   <p:clrMapOvr>
     <a:masterClrMapping/>
@@ -1422,7 +1501,7 @@
       </p:grpSpPr>
       <p:sp>
         <p:nvSpPr>
-          <p:cNvPr id="2" name="Заголовок 1"/>
+          <p:cNvPr id="10" name="Title 9"/>
           <p:cNvSpPr>
             <a:spLocks noGrp="1"/>
           </p:cNvSpPr>
@@ -1433,23 +1512,19 @@
         <p:spPr/>
         <p:txBody>
           <a:bodyPr/>
-          <a:lstStyle>
-            <a:lvl1pPr>
-              <a:defRPr/>
-            </a:lvl1pPr>
-          </a:lstStyle>
+          <a:lstStyle/>
           <a:p>
             <a:r>
               <a:rPr lang="ru-RU" smtClean="0"/>
               <a:t>Образец заголовка</a:t>
             </a:r>
-            <a:endParaRPr lang="ru-RU"/>
-          </a:p>
-        </p:txBody>
-      </p:sp>
-      <p:sp>
-        <p:nvSpPr>
-          <p:cNvPr id="3" name="Текст 2"/>
+            <a:endParaRPr lang="en-US" dirty="0"/>
+          </a:p>
+        </p:txBody>
+      </p:sp>
+      <p:sp>
+        <p:nvSpPr>
+          <p:cNvPr id="3" name="Text Placeholder 2"/>
           <p:cNvSpPr>
             <a:spLocks noGrp="1"/>
           </p:cNvSpPr>
@@ -1459,16 +1534,29 @@
         </p:nvSpPr>
         <p:spPr>
           <a:xfrm>
-            <a:off x="457200" y="1535113"/>
-            <a:ext cx="4040188" cy="639762"/>
+            <a:off x="507492" y="2032000"/>
+            <a:ext cx="3806190" cy="723400"/>
           </a:xfrm>
         </p:spPr>
         <p:txBody>
-          <a:bodyPr anchor="b"/>
+          <a:bodyPr anchor="ctr">
+            <a:normAutofit/>
+          </a:bodyPr>
           <a:lstStyle>
             <a:lvl1pPr marL="0" indent="0">
-              <a:buNone/>
-              <a:defRPr sz="2400" b="1"/>
+              <a:spcBef>
+                <a:spcPts val="0"/>
+              </a:spcBef>
+              <a:buNone/>
+              <a:defRPr sz="2000" b="0" cap="all" baseline="0">
+                <a:solidFill>
+                  <a:schemeClr val="tx1">
+                    <a:lumMod val="85000"/>
+                    <a:lumOff val="15000"/>
+                  </a:schemeClr>
+                </a:solidFill>
+                <a:latin typeface="+mj-lt"/>
+              </a:defRPr>
             </a:lvl1pPr>
             <a:lvl2pPr marL="457200" indent="0">
               <a:buNone/>
@@ -1514,7 +1602,7 @@
       </p:sp>
       <p:sp>
         <p:nvSpPr>
-          <p:cNvPr id="4" name="Содержимое 3"/>
+          <p:cNvPr id="4" name="Content Placeholder 3"/>
           <p:cNvSpPr>
             <a:spLocks noGrp="1"/>
           </p:cNvSpPr>
@@ -1524,39 +1612,39 @@
         </p:nvSpPr>
         <p:spPr>
           <a:xfrm>
-            <a:off x="457200" y="2174875"/>
-            <a:ext cx="4040188" cy="3951288"/>
+            <a:off x="507492" y="2736150"/>
+            <a:ext cx="3806190" cy="3200400"/>
           </a:xfrm>
         </p:spPr>
         <p:txBody>
           <a:bodyPr/>
           <a:lstStyle>
             <a:lvl1pPr>
-              <a:defRPr sz="2400"/>
+              <a:defRPr sz="2100"/>
             </a:lvl1pPr>
             <a:lvl2pPr>
-              <a:defRPr sz="2000"/>
+              <a:defRPr sz="1800"/>
             </a:lvl2pPr>
             <a:lvl3pPr>
-              <a:defRPr sz="1800"/>
+              <a:defRPr sz="1600"/>
             </a:lvl3pPr>
             <a:lvl4pPr>
-              <a:defRPr sz="1600"/>
+              <a:defRPr sz="1400"/>
             </a:lvl4pPr>
             <a:lvl5pPr>
-              <a:defRPr sz="1600"/>
+              <a:defRPr sz="1400"/>
             </a:lvl5pPr>
             <a:lvl6pPr>
-              <a:defRPr sz="1600"/>
+              <a:defRPr sz="1400"/>
             </a:lvl6pPr>
             <a:lvl7pPr>
-              <a:defRPr sz="1600"/>
+              <a:defRPr sz="1400"/>
             </a:lvl7pPr>
             <a:lvl8pPr>
-              <a:defRPr sz="1600"/>
+              <a:defRPr sz="1400"/>
             </a:lvl8pPr>
             <a:lvl9pPr>
-              <a:defRPr sz="1600"/>
+              <a:defRPr sz="1400"/>
             </a:lvl9pPr>
           </a:lstStyle>
           <a:p>
@@ -1593,13 +1681,13 @@
               <a:rPr lang="ru-RU" smtClean="0"/>
               <a:t>Пятый уровень</a:t>
             </a:r>
-            <a:endParaRPr lang="ru-RU"/>
-          </a:p>
-        </p:txBody>
-      </p:sp>
-      <p:sp>
-        <p:nvSpPr>
-          <p:cNvPr id="5" name="Текст 4"/>
+            <a:endParaRPr lang="en-US" dirty="0"/>
+          </a:p>
+        </p:txBody>
+      </p:sp>
+      <p:sp>
+        <p:nvSpPr>
+          <p:cNvPr id="5" name="Text Placeholder 4"/>
           <p:cNvSpPr>
             <a:spLocks noGrp="1"/>
           </p:cNvSpPr>
@@ -1609,16 +1697,23 @@
         </p:nvSpPr>
         <p:spPr>
           <a:xfrm>
-            <a:off x="4645025" y="1535113"/>
-            <a:ext cx="4041775" cy="639762"/>
+            <a:off x="4766310" y="2029968"/>
+            <a:ext cx="3806190" cy="722376"/>
           </a:xfrm>
         </p:spPr>
         <p:txBody>
-          <a:bodyPr anchor="b"/>
+          <a:bodyPr anchor="ctr">
+            <a:normAutofit/>
+          </a:bodyPr>
           <a:lstStyle>
             <a:lvl1pPr marL="0" indent="0">
-              <a:buNone/>
-              <a:defRPr sz="2400" b="1"/>
+              <a:spcBef>
+                <a:spcPts val="0"/>
+              </a:spcBef>
+              <a:buNone/>
+              <a:defRPr sz="2000" b="0" cap="all" baseline="0">
+                <a:latin typeface="+mj-lt"/>
+              </a:defRPr>
             </a:lvl1pPr>
             <a:lvl2pPr marL="457200" indent="0">
               <a:buNone/>
@@ -1664,7 +1759,7 @@
       </p:sp>
       <p:sp>
         <p:nvSpPr>
-          <p:cNvPr id="6" name="Содержимое 5"/>
+          <p:cNvPr id="6" name="Content Placeholder 5"/>
           <p:cNvSpPr>
             <a:spLocks noGrp="1"/>
           </p:cNvSpPr>
@@ -1674,39 +1769,39 @@
         </p:nvSpPr>
         <p:spPr>
           <a:xfrm>
-            <a:off x="4645025" y="2174875"/>
-            <a:ext cx="4041775" cy="3951288"/>
+            <a:off x="4766310" y="2734056"/>
+            <a:ext cx="3806190" cy="3200400"/>
           </a:xfrm>
         </p:spPr>
         <p:txBody>
           <a:bodyPr/>
           <a:lstStyle>
             <a:lvl1pPr>
-              <a:defRPr sz="2400"/>
+              <a:defRPr sz="2100"/>
             </a:lvl1pPr>
             <a:lvl2pPr>
-              <a:defRPr sz="2000"/>
+              <a:defRPr sz="1800"/>
             </a:lvl2pPr>
             <a:lvl3pPr>
-              <a:defRPr sz="1800"/>
+              <a:defRPr sz="1600"/>
             </a:lvl3pPr>
             <a:lvl4pPr>
-              <a:defRPr sz="1600"/>
+              <a:defRPr sz="1400"/>
             </a:lvl4pPr>
             <a:lvl5pPr>
-              <a:defRPr sz="1600"/>
+              <a:defRPr sz="1400"/>
             </a:lvl5pPr>
             <a:lvl6pPr>
-              <a:defRPr sz="1600"/>
+              <a:defRPr sz="1400"/>
             </a:lvl6pPr>
             <a:lvl7pPr>
-              <a:defRPr sz="1600"/>
+              <a:defRPr sz="1400"/>
             </a:lvl7pPr>
             <a:lvl8pPr>
-              <a:defRPr sz="1600"/>
+              <a:defRPr sz="1400"/>
             </a:lvl8pPr>
             <a:lvl9pPr>
-              <a:defRPr sz="1600"/>
+              <a:defRPr sz="1400"/>
             </a:lvl9pPr>
           </a:lstStyle>
           <a:p>
@@ -1743,13 +1838,13 @@
               <a:rPr lang="ru-RU" smtClean="0"/>
               <a:t>Пятый уровень</a:t>
             </a:r>
-            <a:endParaRPr lang="ru-RU"/>
-          </a:p>
-        </p:txBody>
-      </p:sp>
-      <p:sp>
-        <p:nvSpPr>
-          <p:cNvPr id="7" name="Дата 6"/>
+            <a:endParaRPr lang="en-US" dirty="0"/>
+          </a:p>
+        </p:txBody>
+      </p:sp>
+      <p:sp>
+        <p:nvSpPr>
+          <p:cNvPr id="7" name="Date Placeholder 6"/>
           <p:cNvSpPr>
             <a:spLocks noGrp="1"/>
           </p:cNvSpPr>
@@ -1764,7 +1859,7 @@
           <a:p>
             <a:fld id="{81F02B84-2724-4998-9FA1-23616E67724A}" type="datetimeFigureOut">
               <a:rPr lang="ru-RU" smtClean="0"/>
-              <a:t>17.10.2016</a:t>
+              <a:t>19.10.2016</a:t>
             </a:fld>
             <a:endParaRPr lang="ru-RU"/>
           </a:p>
@@ -1772,7 +1867,7 @@
       </p:sp>
       <p:sp>
         <p:nvSpPr>
-          <p:cNvPr id="8" name="Нижний колонтитул 7"/>
+          <p:cNvPr id="8" name="Footer Placeholder 7"/>
           <p:cNvSpPr>
             <a:spLocks noGrp="1"/>
           </p:cNvSpPr>
@@ -1791,7 +1886,7 @@
       </p:sp>
       <p:sp>
         <p:nvSpPr>
-          <p:cNvPr id="9" name="Номер слайда 8"/>
+          <p:cNvPr id="9" name="Slide Number Placeholder 8"/>
           <p:cNvSpPr>
             <a:spLocks noGrp="1"/>
           </p:cNvSpPr>
@@ -1813,6 +1908,11 @@
         </p:txBody>
       </p:sp>
     </p:spTree>
+    <p:extLst>
+      <p:ext uri="{BB962C8B-B14F-4D97-AF65-F5344CB8AC3E}">
+        <p14:creationId xmlns:p14="http://schemas.microsoft.com/office/powerpoint/2010/main" val="1841112992"/>
+      </p:ext>
+    </p:extLst>
   </p:cSld>
   <p:clrMapOvr>
     <a:masterClrMapping/>
@@ -1839,7 +1939,7 @@
       </p:grpSpPr>
       <p:sp>
         <p:nvSpPr>
-          <p:cNvPr id="2" name="Заголовок 1"/>
+          <p:cNvPr id="6" name="Title 5"/>
           <p:cNvSpPr>
             <a:spLocks noGrp="1"/>
           </p:cNvSpPr>
@@ -1856,13 +1956,13 @@
               <a:rPr lang="ru-RU" smtClean="0"/>
               <a:t>Образец заголовка</a:t>
             </a:r>
-            <a:endParaRPr lang="ru-RU"/>
-          </a:p>
-        </p:txBody>
-      </p:sp>
-      <p:sp>
-        <p:nvSpPr>
-          <p:cNvPr id="3" name="Дата 2"/>
+            <a:endParaRPr lang="en-US" dirty="0"/>
+          </a:p>
+        </p:txBody>
+      </p:sp>
+      <p:sp>
+        <p:nvSpPr>
+          <p:cNvPr id="3" name="Date Placeholder 2"/>
           <p:cNvSpPr>
             <a:spLocks noGrp="1"/>
           </p:cNvSpPr>
@@ -1877,7 +1977,7 @@
           <a:p>
             <a:fld id="{81F02B84-2724-4998-9FA1-23616E67724A}" type="datetimeFigureOut">
               <a:rPr lang="ru-RU" smtClean="0"/>
-              <a:t>17.10.2016</a:t>
+              <a:t>19.10.2016</a:t>
             </a:fld>
             <a:endParaRPr lang="ru-RU"/>
           </a:p>
@@ -1885,7 +1985,7 @@
       </p:sp>
       <p:sp>
         <p:nvSpPr>
-          <p:cNvPr id="4" name="Нижний колонтитул 3"/>
+          <p:cNvPr id="4" name="Footer Placeholder 3"/>
           <p:cNvSpPr>
             <a:spLocks noGrp="1"/>
           </p:cNvSpPr>
@@ -1904,7 +2004,7 @@
       </p:sp>
       <p:sp>
         <p:nvSpPr>
-          <p:cNvPr id="5" name="Номер слайда 4"/>
+          <p:cNvPr id="5" name="Slide Number Placeholder 4"/>
           <p:cNvSpPr>
             <a:spLocks noGrp="1"/>
           </p:cNvSpPr>
@@ -1926,6 +2026,11 @@
         </p:txBody>
       </p:sp>
     </p:spTree>
+    <p:extLst>
+      <p:ext uri="{BB962C8B-B14F-4D97-AF65-F5344CB8AC3E}">
+        <p14:creationId xmlns:p14="http://schemas.microsoft.com/office/powerpoint/2010/main" val="4241609720"/>
+      </p:ext>
+    </p:extLst>
   </p:cSld>
   <p:clrMapOvr>
     <a:masterClrMapping/>
@@ -1952,7 +2057,7 @@
       </p:grpSpPr>
       <p:sp>
         <p:nvSpPr>
-          <p:cNvPr id="2" name="Дата 1"/>
+          <p:cNvPr id="2" name="Date Placeholder 1"/>
           <p:cNvSpPr>
             <a:spLocks noGrp="1"/>
           </p:cNvSpPr>
@@ -1967,7 +2072,7 @@
           <a:p>
             <a:fld id="{81F02B84-2724-4998-9FA1-23616E67724A}" type="datetimeFigureOut">
               <a:rPr lang="ru-RU" smtClean="0"/>
-              <a:t>17.10.2016</a:t>
+              <a:t>19.10.2016</a:t>
             </a:fld>
             <a:endParaRPr lang="ru-RU"/>
           </a:p>
@@ -1975,7 +2080,7 @@
       </p:sp>
       <p:sp>
         <p:nvSpPr>
-          <p:cNvPr id="3" name="Нижний колонтитул 2"/>
+          <p:cNvPr id="3" name="Footer Placeholder 2"/>
           <p:cNvSpPr>
             <a:spLocks noGrp="1"/>
           </p:cNvSpPr>
@@ -1994,7 +2099,7 @@
       </p:sp>
       <p:sp>
         <p:nvSpPr>
-          <p:cNvPr id="4" name="Номер слайда 3"/>
+          <p:cNvPr id="4" name="Slide Number Placeholder 3"/>
           <p:cNvSpPr>
             <a:spLocks noGrp="1"/>
           </p:cNvSpPr>
@@ -2016,6 +2121,11 @@
         </p:txBody>
       </p:sp>
     </p:spTree>
+    <p:extLst>
+      <p:ext uri="{BB962C8B-B14F-4D97-AF65-F5344CB8AC3E}">
+        <p14:creationId xmlns:p14="http://schemas.microsoft.com/office/powerpoint/2010/main" val="2235729839"/>
+      </p:ext>
+    </p:extLst>
   </p:cSld>
   <p:clrMapOvr>
     <a:masterClrMapping/>
@@ -2042,25 +2152,69 @@
       </p:grpSpPr>
       <p:sp>
         <p:nvSpPr>
-          <p:cNvPr id="2" name="Заголовок 1"/>
-          <p:cNvSpPr>
-            <a:spLocks noGrp="1"/>
-          </p:cNvSpPr>
-          <p:nvPr>
-            <p:ph type="title"/>
-          </p:nvPr>
+          <p:cNvPr id="2" name="Rectangle 1"/>
+          <p:cNvSpPr/>
+          <p:nvPr/>
         </p:nvSpPr>
         <p:spPr>
           <a:xfrm>
-            <a:off x="457200" y="273050"/>
-            <a:ext cx="3008313" cy="1162050"/>
+            <a:off x="5715000" y="0"/>
+            <a:ext cx="3429000" cy="6858000"/>
+          </a:xfrm>
+          <a:prstGeom prst="rect">
+            <a:avLst/>
+          </a:prstGeom>
+          <a:ln>
+            <a:noFill/>
+          </a:ln>
+        </p:spPr>
+        <p:style>
+          <a:lnRef idx="2">
+            <a:schemeClr val="accent1">
+              <a:shade val="50000"/>
+            </a:schemeClr>
+          </a:lnRef>
+          <a:fillRef idx="1">
+            <a:schemeClr val="accent1"/>
+          </a:fillRef>
+          <a:effectRef idx="0">
+            <a:schemeClr val="accent1"/>
+          </a:effectRef>
+          <a:fontRef idx="minor">
+            <a:schemeClr val="lt1"/>
+          </a:fontRef>
+        </p:style>
+      </p:sp>
+      <p:sp>
+        <p:nvSpPr>
+          <p:cNvPr id="9" name="Title 8"/>
+          <p:cNvSpPr>
+            <a:spLocks noGrp="1"/>
+          </p:cNvSpPr>
+          <p:nvPr>
+            <p:ph type="title"/>
+          </p:nvPr>
+        </p:nvSpPr>
+        <p:spPr>
+          <a:xfrm>
+            <a:off x="6196053" y="542282"/>
+            <a:ext cx="2537460" cy="1920240"/>
           </a:xfrm>
         </p:spPr>
         <p:txBody>
-          <a:bodyPr anchor="b"/>
+          <a:bodyPr anchor="b">
+            <a:noAutofit/>
+          </a:bodyPr>
           <a:lstStyle>
-            <a:lvl1pPr algn="l">
-              <a:defRPr sz="2000" b="1"/>
+            <a:lvl1pPr>
+              <a:lnSpc>
+                <a:spcPct val="85000"/>
+              </a:lnSpc>
+              <a:defRPr sz="3600">
+                <a:solidFill>
+                  <a:srgbClr val="FFFFFF"/>
+                </a:solidFill>
+              </a:defRPr>
             </a:lvl1pPr>
           </a:lstStyle>
           <a:p>
@@ -2068,13 +2222,13 @@
               <a:rPr lang="ru-RU" smtClean="0"/>
               <a:t>Образец заголовка</a:t>
             </a:r>
-            <a:endParaRPr lang="ru-RU"/>
-          </a:p>
-        </p:txBody>
-      </p:sp>
-      <p:sp>
-        <p:nvSpPr>
-          <p:cNvPr id="3" name="Содержимое 2"/>
+            <a:endParaRPr lang="en-US" dirty="0"/>
+          </a:p>
+        </p:txBody>
+      </p:sp>
+      <p:sp>
+        <p:nvSpPr>
+          <p:cNvPr id="3" name="Content Placeholder 2"/>
           <p:cNvSpPr>
             <a:spLocks noGrp="1"/>
           </p:cNvSpPr>
@@ -2084,39 +2238,39 @@
         </p:nvSpPr>
         <p:spPr>
           <a:xfrm>
-            <a:off x="3575050" y="273050"/>
-            <a:ext cx="5111750" cy="5853113"/>
+            <a:off x="571500" y="762000"/>
+            <a:ext cx="4572000" cy="4572000"/>
           </a:xfrm>
         </p:spPr>
         <p:txBody>
           <a:bodyPr/>
           <a:lstStyle>
             <a:lvl1pPr>
-              <a:defRPr sz="3200"/>
+              <a:defRPr sz="2200"/>
             </a:lvl1pPr>
             <a:lvl2pPr>
-              <a:defRPr sz="2800"/>
+              <a:defRPr sz="1900"/>
             </a:lvl2pPr>
             <a:lvl3pPr>
-              <a:defRPr sz="2400"/>
+              <a:defRPr sz="1700"/>
             </a:lvl3pPr>
             <a:lvl4pPr>
-              <a:defRPr sz="2000"/>
+              <a:defRPr sz="1500"/>
             </a:lvl4pPr>
             <a:lvl5pPr>
-              <a:defRPr sz="2000"/>
+              <a:defRPr sz="1400"/>
             </a:lvl5pPr>
             <a:lvl6pPr>
-              <a:defRPr sz="2000"/>
+              <a:defRPr sz="1400"/>
             </a:lvl6pPr>
             <a:lvl7pPr>
-              <a:defRPr sz="2000"/>
+              <a:defRPr sz="1400"/>
             </a:lvl7pPr>
             <a:lvl8pPr>
-              <a:defRPr sz="2000"/>
+              <a:defRPr sz="1400"/>
             </a:lvl8pPr>
             <a:lvl9pPr>
-              <a:defRPr sz="2000"/>
+              <a:defRPr sz="1400"/>
             </a:lvl9pPr>
           </a:lstStyle>
           <a:p>
@@ -2153,13 +2307,13 @@
               <a:rPr lang="ru-RU" smtClean="0"/>
               <a:t>Пятый уровень</a:t>
             </a:r>
-            <a:endParaRPr lang="ru-RU"/>
-          </a:p>
-        </p:txBody>
-      </p:sp>
-      <p:sp>
-        <p:nvSpPr>
-          <p:cNvPr id="4" name="Текст 3"/>
+            <a:endParaRPr lang="en-US" dirty="0"/>
+          </a:p>
+        </p:txBody>
+      </p:sp>
+      <p:sp>
+        <p:nvSpPr>
+          <p:cNvPr id="4" name="Text Placeholder 3"/>
           <p:cNvSpPr>
             <a:spLocks noGrp="1"/>
           </p:cNvSpPr>
@@ -2169,16 +2323,35 @@
         </p:nvSpPr>
         <p:spPr>
           <a:xfrm>
-            <a:off x="457200" y="1435100"/>
-            <a:ext cx="3008313" cy="4691063"/>
+            <a:off x="6206987" y="2511813"/>
+            <a:ext cx="2548890" cy="3126987"/>
           </a:xfrm>
         </p:spPr>
         <p:txBody>
-          <a:bodyPr/>
+          <a:bodyPr>
+            <a:normAutofit/>
+          </a:bodyPr>
           <a:lstStyle>
-            <a:lvl1pPr marL="0" indent="0">
-              <a:buNone/>
-              <a:defRPr sz="1400"/>
+            <a:lvl1pPr marL="0" marR="0" indent="0" algn="l" defTabSz="914400" rtl="0" eaLnBrk="1" fontAlgn="auto" latinLnBrk="0" hangingPunct="1">
+              <a:lnSpc>
+                <a:spcPct val="100000"/>
+              </a:lnSpc>
+              <a:spcBef>
+                <a:spcPts val="1200"/>
+              </a:spcBef>
+              <a:spcAft>
+                <a:spcPts val="0"/>
+              </a:spcAft>
+              <a:buClrTx/>
+              <a:buSzTx/>
+              <a:buFontTx/>
+              <a:buNone/>
+              <a:tabLst/>
+              <a:defRPr sz="1500">
+                <a:solidFill>
+                  <a:srgbClr val="404040"/>
+                </a:solidFill>
+              </a:defRPr>
             </a:lvl1pPr>
             <a:lvl2pPr marL="457200" indent="0">
               <a:buNone/>
@@ -2214,7 +2387,23 @@
             </a:lvl9pPr>
           </a:lstStyle>
           <a:p>
-            <a:pPr lvl="0"/>
+            <a:pPr marL="0" marR="0" lvl="0" indent="0" algn="l" defTabSz="914400" rtl="0" eaLnBrk="1" fontAlgn="auto" latinLnBrk="0" hangingPunct="1">
+              <a:lnSpc>
+                <a:spcPct val="100000"/>
+              </a:lnSpc>
+              <a:spcBef>
+                <a:spcPts val="1400"/>
+              </a:spcBef>
+              <a:spcAft>
+                <a:spcPts val="0"/>
+              </a:spcAft>
+              <a:buClrTx/>
+              <a:buSzTx/>
+              <a:buFontTx/>
+              <a:buNone/>
+              <a:tabLst/>
+              <a:defRPr/>
+            </a:pPr>
             <a:r>
               <a:rPr lang="ru-RU" smtClean="0"/>
               <a:t>Образец текста</a:t>
@@ -2224,7 +2413,7 @@
       </p:sp>
       <p:sp>
         <p:nvSpPr>
-          <p:cNvPr id="5" name="Дата 4"/>
+          <p:cNvPr id="5" name="Date Placeholder 4"/>
           <p:cNvSpPr>
             <a:spLocks noGrp="1"/>
           </p:cNvSpPr>
@@ -2239,7 +2428,7 @@
           <a:p>
             <a:fld id="{81F02B84-2724-4998-9FA1-23616E67724A}" type="datetimeFigureOut">
               <a:rPr lang="ru-RU" smtClean="0"/>
-              <a:t>17.10.2016</a:t>
+              <a:t>19.10.2016</a:t>
             </a:fld>
             <a:endParaRPr lang="ru-RU"/>
           </a:p>
@@ -2247,7 +2436,7 @@
       </p:sp>
       <p:sp>
         <p:nvSpPr>
-          <p:cNvPr id="6" name="Нижний колонтитул 5"/>
+          <p:cNvPr id="6" name="Footer Placeholder 5"/>
           <p:cNvSpPr>
             <a:spLocks noGrp="1"/>
           </p:cNvSpPr>
@@ -2266,7 +2455,7 @@
       </p:sp>
       <p:sp>
         <p:nvSpPr>
-          <p:cNvPr id="7" name="Номер слайда 6"/>
+          <p:cNvPr id="7" name="Slide Number Placeholder 6"/>
           <p:cNvSpPr>
             <a:spLocks noGrp="1"/>
           </p:cNvSpPr>
@@ -2277,7 +2466,17 @@
         <p:spPr/>
         <p:txBody>
           <a:bodyPr/>
-          <a:lstStyle/>
+          <a:lstStyle>
+            <a:lvl1pPr>
+              <a:defRPr>
+                <a:solidFill>
+                  <a:srgbClr val="FFFFFF">
+                    <a:alpha val="20000"/>
+                  </a:srgbClr>
+                </a:solidFill>
+              </a:defRPr>
+            </a:lvl1pPr>
+          </a:lstStyle>
           <a:p>
             <a:fld id="{59BD4EE7-3A0D-47BA-A1CD-76BAC7DE5E02}" type="slidenum">
               <a:rPr lang="ru-RU" smtClean="0"/>
@@ -2288,6 +2487,11 @@
         </p:txBody>
       </p:sp>
     </p:spTree>
+    <p:extLst>
+      <p:ext uri="{BB962C8B-B14F-4D97-AF65-F5344CB8AC3E}">
+        <p14:creationId xmlns:p14="http://schemas.microsoft.com/office/powerpoint/2010/main" val="3538119577"/>
+      </p:ext>
+    </p:extLst>
   </p:cSld>
   <p:clrMapOvr>
     <a:masterClrMapping/>
@@ -2298,6 +2502,14 @@
 <file path=ppt/slideLayouts/slideLayout9.xml><?xml version="1.0" encoding="utf-8"?>
 <p:sldLayout xmlns:a="http://schemas.openxmlformats.org/drawingml/2006/main" xmlns:r="http://schemas.openxmlformats.org/officeDocument/2006/relationships" xmlns:p="http://schemas.openxmlformats.org/presentationml/2006/main" type="picTx" preserve="1">
   <p:cSld name="Рисунок с подписью">
+    <p:bg>
+      <p:bgPr>
+        <a:solidFill>
+          <a:schemeClr val="accent1"/>
+        </a:solidFill>
+        <a:effectLst/>
+      </p:bgPr>
+    </p:bg>
     <p:spTree>
       <p:nvGrpSpPr>
         <p:cNvPr id="1" name=""/>
@@ -2314,7 +2526,7 @@
       </p:grpSpPr>
       <p:sp>
         <p:nvSpPr>
-          <p:cNvPr id="2" name="Заголовок 1"/>
+          <p:cNvPr id="2" name="Title 1"/>
           <p:cNvSpPr>
             <a:spLocks noGrp="1"/>
           </p:cNvSpPr>
@@ -2324,15 +2536,24 @@
         </p:nvSpPr>
         <p:spPr>
           <a:xfrm>
-            <a:off x="1792288" y="4800600"/>
-            <a:ext cx="5486400" cy="566738"/>
+            <a:off x="486918" y="5418668"/>
+            <a:ext cx="8085582" cy="613283"/>
           </a:xfrm>
         </p:spPr>
         <p:txBody>
-          <a:bodyPr anchor="b"/>
+          <a:bodyPr anchor="b">
+            <a:normAutofit/>
+          </a:bodyPr>
           <a:lstStyle>
-            <a:lvl1pPr algn="l">
-              <a:defRPr sz="2000" b="1"/>
+            <a:lvl1pPr>
+              <a:lnSpc>
+                <a:spcPct val="85000"/>
+              </a:lnSpc>
+              <a:defRPr sz="2800" b="0">
+                <a:solidFill>
+                  <a:srgbClr val="FFFFFF"/>
+                </a:solidFill>
+              </a:defRPr>
             </a:lvl1pPr>
           </a:lstStyle>
           <a:p>
@@ -2340,15 +2561,15 @@
               <a:rPr lang="ru-RU" smtClean="0"/>
               <a:t>Образец заголовка</a:t>
             </a:r>
-            <a:endParaRPr lang="ru-RU"/>
-          </a:p>
-        </p:txBody>
-      </p:sp>
-      <p:sp>
-        <p:nvSpPr>
-          <p:cNvPr id="3" name="Рисунок 2"/>
-          <p:cNvSpPr>
-            <a:spLocks noGrp="1"/>
+            <a:endParaRPr lang="en-US" dirty="0"/>
+          </a:p>
+        </p:txBody>
+      </p:sp>
+      <p:sp>
+        <p:nvSpPr>
+          <p:cNvPr id="3" name="Picture Placeholder 2"/>
+          <p:cNvSpPr>
+            <a:spLocks noGrp="1" noChangeAspect="1"/>
           </p:cNvSpPr>
           <p:nvPr>
             <p:ph type="pic" idx="1"/>
@@ -2356,16 +2577,29 @@
         </p:nvSpPr>
         <p:spPr>
           <a:xfrm>
-            <a:off x="1792288" y="612775"/>
-            <a:ext cx="5486400" cy="4114800"/>
+            <a:off x="0" y="0"/>
+            <a:ext cx="9144000" cy="5330952"/>
           </a:xfrm>
+          <a:blipFill>
+            <a:blip r:embed="rId2"/>
+            <a:stretch>
+              <a:fillRect/>
+            </a:stretch>
+          </a:blipFill>
         </p:spPr>
         <p:txBody>
-          <a:bodyPr/>
+          <a:bodyPr anchor="t"/>
           <a:lstStyle>
-            <a:lvl1pPr marL="0" indent="0">
-              <a:buNone/>
-              <a:defRPr sz="3200"/>
+            <a:lvl1pPr marL="0" indent="0" algn="ctr">
+              <a:spcBef>
+                <a:spcPts val="800"/>
+              </a:spcBef>
+              <a:buNone/>
+              <a:defRPr sz="3200">
+                <a:solidFill>
+                  <a:srgbClr val="4D4D4D"/>
+                </a:solidFill>
+              </a:defRPr>
             </a:lvl1pPr>
             <a:lvl2pPr marL="457200" indent="0">
               <a:buNone/>
@@ -2401,13 +2635,17 @@
             </a:lvl9pPr>
           </a:lstStyle>
           <a:p>
-            <a:endParaRPr lang="ru-RU"/>
-          </a:p>
-        </p:txBody>
-      </p:sp>
-      <p:sp>
-        <p:nvSpPr>
-          <p:cNvPr id="4" name="Текст 3"/>
+            <a:r>
+              <a:rPr lang="ru-RU" smtClean="0"/>
+              <a:t>Вставка рисунка</a:t>
+            </a:r>
+            <a:endParaRPr lang="en-US" dirty="0"/>
+          </a:p>
+        </p:txBody>
+      </p:sp>
+      <p:sp>
+        <p:nvSpPr>
+          <p:cNvPr id="4" name="Text Placeholder 3"/>
           <p:cNvSpPr>
             <a:spLocks noGrp="1"/>
           </p:cNvSpPr>
@@ -2417,16 +2655,28 @@
         </p:nvSpPr>
         <p:spPr>
           <a:xfrm>
-            <a:off x="1792288" y="5367338"/>
-            <a:ext cx="5486400" cy="804862"/>
+            <a:off x="507492" y="5909735"/>
+            <a:ext cx="6922008" cy="533400"/>
           </a:xfrm>
         </p:spPr>
         <p:txBody>
-          <a:bodyPr/>
+          <a:bodyPr>
+            <a:normAutofit/>
+          </a:bodyPr>
           <a:lstStyle>
             <a:lvl1pPr marL="0" indent="0">
-              <a:buNone/>
-              <a:defRPr sz="1400"/>
+              <a:lnSpc>
+                <a:spcPct val="90000"/>
+              </a:lnSpc>
+              <a:spcBef>
+                <a:spcPts val="1200"/>
+              </a:spcBef>
+              <a:buNone/>
+              <a:defRPr sz="1400">
+                <a:solidFill>
+                  <a:srgbClr val="262626"/>
+                </a:solidFill>
+              </a:defRPr>
             </a:lvl1pPr>
             <a:lvl2pPr marL="457200" indent="0">
               <a:buNone/>
@@ -2472,7 +2722,7 @@
       </p:sp>
       <p:sp>
         <p:nvSpPr>
-          <p:cNvPr id="5" name="Дата 4"/>
+          <p:cNvPr id="5" name="Date Placeholder 4"/>
           <p:cNvSpPr>
             <a:spLocks noGrp="1"/>
           </p:cNvSpPr>
@@ -2483,11 +2733,21 @@
         <p:spPr/>
         <p:txBody>
           <a:bodyPr/>
-          <a:lstStyle/>
+          <a:lstStyle>
+            <a:lvl1pPr>
+              <a:defRPr>
+                <a:solidFill>
+                  <a:srgbClr val="FFFFFF">
+                    <a:alpha val="75000"/>
+                  </a:srgbClr>
+                </a:solidFill>
+              </a:defRPr>
+            </a:lvl1pPr>
+          </a:lstStyle>
           <a:p>
             <a:fld id="{81F02B84-2724-4998-9FA1-23616E67724A}" type="datetimeFigureOut">
               <a:rPr lang="ru-RU" smtClean="0"/>
-              <a:t>17.10.2016</a:t>
+              <a:t>19.10.2016</a:t>
             </a:fld>
             <a:endParaRPr lang="ru-RU"/>
           </a:p>
@@ -2495,7 +2755,7 @@
       </p:sp>
       <p:sp>
         <p:nvSpPr>
-          <p:cNvPr id="6" name="Нижний колонтитул 5"/>
+          <p:cNvPr id="6" name="Footer Placeholder 5"/>
           <p:cNvSpPr>
             <a:spLocks noGrp="1"/>
           </p:cNvSpPr>
@@ -2506,7 +2766,17 @@
         <p:spPr/>
         <p:txBody>
           <a:bodyPr/>
-          <a:lstStyle/>
+          <a:lstStyle>
+            <a:lvl1pPr>
+              <a:defRPr>
+                <a:solidFill>
+                  <a:srgbClr val="FFFFFF">
+                    <a:alpha val="75000"/>
+                  </a:srgbClr>
+                </a:solidFill>
+              </a:defRPr>
+            </a:lvl1pPr>
+          </a:lstStyle>
           <a:p>
             <a:endParaRPr lang="ru-RU"/>
           </a:p>
@@ -2514,7 +2784,7 @@
       </p:sp>
       <p:sp>
         <p:nvSpPr>
-          <p:cNvPr id="7" name="Номер слайда 6"/>
+          <p:cNvPr id="7" name="Slide Number Placeholder 6"/>
           <p:cNvSpPr>
             <a:spLocks noGrp="1"/>
           </p:cNvSpPr>
@@ -2525,7 +2795,17 @@
         <p:spPr/>
         <p:txBody>
           <a:bodyPr/>
-          <a:lstStyle/>
+          <a:lstStyle>
+            <a:lvl1pPr>
+              <a:defRPr>
+                <a:solidFill>
+                  <a:srgbClr val="FFFFFF">
+                    <a:alpha val="20000"/>
+                  </a:srgbClr>
+                </a:solidFill>
+              </a:defRPr>
+            </a:lvl1pPr>
+          </a:lstStyle>
           <a:p>
             <a:fld id="{59BD4EE7-3A0D-47BA-A1CD-76BAC7DE5E02}" type="slidenum">
               <a:rPr lang="ru-RU" smtClean="0"/>
@@ -2536,9 +2816,14 @@
         </p:txBody>
       </p:sp>
     </p:spTree>
+    <p:extLst>
+      <p:ext uri="{BB962C8B-B14F-4D97-AF65-F5344CB8AC3E}">
+        <p14:creationId xmlns:p14="http://schemas.microsoft.com/office/powerpoint/2010/main" val="4269134244"/>
+      </p:ext>
+    </p:extLst>
   </p:cSld>
   <p:clrMapOvr>
-    <a:masterClrMapping/>
+    <a:overrideClrMapping bg1="dk1" tx1="lt1" bg2="dk2" tx2="lt2" accent1="accent1" accent2="accent2" accent3="accent3" accent4="accent4" accent5="accent5" accent6="accent6" hlink="hlink" folHlink="folHlink"/>
   </p:clrMapOvr>
 </p:sldLayout>
 </file>
@@ -2567,7 +2852,7 @@
       </p:grpSpPr>
       <p:sp>
         <p:nvSpPr>
-          <p:cNvPr id="2" name="Заголовок 1"/>
+          <p:cNvPr id="2" name="Title Placeholder 1"/>
           <p:cNvSpPr>
             <a:spLocks noGrp="1"/>
           </p:cNvSpPr>
@@ -2577,8 +2862,8 @@
         </p:nvSpPr>
         <p:spPr>
           <a:xfrm>
-            <a:off x="457200" y="274638"/>
-            <a:ext cx="8229600" cy="1143000"/>
+            <a:off x="492919" y="499533"/>
+            <a:ext cx="8079581" cy="1658198"/>
           </a:xfrm>
           <a:prstGeom prst="rect">
             <a:avLst/>
@@ -2594,13 +2879,13 @@
               <a:rPr lang="ru-RU" smtClean="0"/>
               <a:t>Образец заголовка</a:t>
             </a:r>
-            <a:endParaRPr lang="ru-RU"/>
-          </a:p>
-        </p:txBody>
-      </p:sp>
-      <p:sp>
-        <p:nvSpPr>
-          <p:cNvPr id="3" name="Текст 2"/>
+            <a:endParaRPr lang="en-US" dirty="0"/>
+          </a:p>
+        </p:txBody>
+      </p:sp>
+      <p:sp>
+        <p:nvSpPr>
+          <p:cNvPr id="3" name="Text Placeholder 2"/>
           <p:cNvSpPr>
             <a:spLocks noGrp="1"/>
           </p:cNvSpPr>
@@ -2610,8 +2895,8 @@
         </p:nvSpPr>
         <p:spPr>
           <a:xfrm>
-            <a:off x="457200" y="1600200"/>
-            <a:ext cx="8229600" cy="4525963"/>
+            <a:off x="507206" y="1993393"/>
+            <a:ext cx="8065294" cy="3766185"/>
           </a:xfrm>
           <a:prstGeom prst="rect">
             <a:avLst/>
@@ -2656,13 +2941,13 @@
               <a:rPr lang="ru-RU" smtClean="0"/>
               <a:t>Пятый уровень</a:t>
             </a:r>
-            <a:endParaRPr lang="ru-RU"/>
-          </a:p>
-        </p:txBody>
-      </p:sp>
-      <p:sp>
-        <p:nvSpPr>
-          <p:cNvPr id="4" name="Дата 3"/>
+            <a:endParaRPr lang="en-US" dirty="0"/>
+          </a:p>
+        </p:txBody>
+      </p:sp>
+      <p:sp>
+        <p:nvSpPr>
+          <p:cNvPr id="4" name="Date Placeholder 3"/>
           <p:cNvSpPr>
             <a:spLocks noGrp="1"/>
           </p:cNvSpPr>
@@ -2672,8 +2957,8 @@
         </p:nvSpPr>
         <p:spPr>
           <a:xfrm>
-            <a:off x="457200" y="6356350"/>
-            <a:ext cx="2133600" cy="365125"/>
+            <a:off x="514350" y="6412447"/>
+            <a:ext cx="3086100" cy="228600"/>
           </a:xfrm>
           <a:prstGeom prst="rect">
             <a:avLst/>
@@ -2683,10 +2968,10 @@
           <a:bodyPr vert="horz" lIns="91440" tIns="45720" rIns="91440" bIns="45720" rtlCol="0" anchor="ctr"/>
           <a:lstStyle>
             <a:lvl1pPr algn="l">
-              <a:defRPr sz="1200">
+              <a:defRPr sz="950">
                 <a:solidFill>
                   <a:schemeClr val="tx1">
-                    <a:tint val="75000"/>
+                    <a:alpha val="75000"/>
                   </a:schemeClr>
                 </a:solidFill>
               </a:defRPr>
@@ -2695,7 +2980,7 @@
           <a:p>
             <a:fld id="{81F02B84-2724-4998-9FA1-23616E67724A}" type="datetimeFigureOut">
               <a:rPr lang="ru-RU" smtClean="0"/>
-              <a:t>17.10.2016</a:t>
+              <a:t>19.10.2016</a:t>
             </a:fld>
             <a:endParaRPr lang="ru-RU"/>
           </a:p>
@@ -2703,7 +2988,7 @@
       </p:sp>
       <p:sp>
         <p:nvSpPr>
-          <p:cNvPr id="5" name="Нижний колонтитул 4"/>
+          <p:cNvPr id="5" name="Footer Placeholder 4"/>
           <p:cNvSpPr>
             <a:spLocks noGrp="1"/>
           </p:cNvSpPr>
@@ -2713,8 +2998,8 @@
         </p:nvSpPr>
         <p:spPr>
           <a:xfrm>
-            <a:off x="3124200" y="6356350"/>
-            <a:ext cx="2895600" cy="365125"/>
+            <a:off x="514350" y="6554697"/>
+            <a:ext cx="3771900" cy="228600"/>
           </a:xfrm>
           <a:prstGeom prst="rect">
             <a:avLst/>
@@ -2723,11 +3008,11 @@
         <p:txBody>
           <a:bodyPr vert="horz" lIns="91440" tIns="45720" rIns="91440" bIns="45720" rtlCol="0" anchor="ctr"/>
           <a:lstStyle>
-            <a:lvl1pPr algn="ctr">
-              <a:defRPr sz="1200">
+            <a:lvl1pPr algn="l">
+              <a:defRPr sz="950" cap="all" baseline="0">
                 <a:solidFill>
                   <a:schemeClr val="tx1">
-                    <a:tint val="75000"/>
+                    <a:alpha val="75000"/>
                   </a:schemeClr>
                 </a:solidFill>
               </a:defRPr>
@@ -2740,7 +3025,7 @@
       </p:sp>
       <p:sp>
         <p:nvSpPr>
-          <p:cNvPr id="6" name="Номер слайда 5"/>
+          <p:cNvPr id="6" name="Slide Number Placeholder 5"/>
           <p:cNvSpPr>
             <a:spLocks noGrp="1"/>
           </p:cNvSpPr>
@@ -2750,23 +3035,27 @@
         </p:nvSpPr>
         <p:spPr>
           <a:xfrm>
-            <a:off x="6553200" y="6356350"/>
-            <a:ext cx="2133600" cy="365125"/>
+            <a:off x="6541193" y="5829748"/>
+            <a:ext cx="2194560" cy="1397039"/>
           </a:xfrm>
           <a:prstGeom prst="rect">
             <a:avLst/>
           </a:prstGeom>
         </p:spPr>
         <p:txBody>
-          <a:bodyPr vert="horz" lIns="91440" tIns="45720" rIns="91440" bIns="45720" rtlCol="0" anchor="ctr"/>
+          <a:bodyPr vert="horz" lIns="91440" tIns="45720" rIns="91440" bIns="45720" rtlCol="0" anchor="b"/>
           <a:lstStyle>
             <a:lvl1pPr algn="r">
-              <a:defRPr sz="1200">
+              <a:defRPr sz="9000" b="0">
+                <a:ln>
+                  <a:noFill/>
+                </a:ln>
                 <a:solidFill>
-                  <a:schemeClr val="tx1">
-                    <a:tint val="75000"/>
+                  <a:schemeClr val="accent1">
+                    <a:alpha val="20000"/>
                   </a:schemeClr>
                 </a:solidFill>
+                <a:latin typeface="+mj-lt"/>
               </a:defRPr>
             </a:lvl1pPr>
           </a:lstStyle>
@@ -2780,31 +3069,39 @@
         </p:txBody>
       </p:sp>
     </p:spTree>
+    <p:extLst>
+      <p:ext uri="{BB962C8B-B14F-4D97-AF65-F5344CB8AC3E}">
+        <p14:creationId xmlns:p14="http://schemas.microsoft.com/office/powerpoint/2010/main" val="2435462770"/>
+      </p:ext>
+    </p:extLst>
   </p:cSld>
   <p:clrMap bg1="lt1" tx1="dk1" bg2="lt2" tx2="dk2" accent1="accent1" accent2="accent2" accent3="accent3" accent4="accent4" accent5="accent5" accent6="accent6" hlink="hlink" folHlink="folHlink"/>
   <p:sldLayoutIdLst>
-    <p:sldLayoutId id="2147483649" r:id="rId1"/>
-    <p:sldLayoutId id="2147483650" r:id="rId2"/>
-    <p:sldLayoutId id="2147483651" r:id="rId3"/>
-    <p:sldLayoutId id="2147483652" r:id="rId4"/>
-    <p:sldLayoutId id="2147483653" r:id="rId5"/>
-    <p:sldLayoutId id="2147483654" r:id="rId6"/>
-    <p:sldLayoutId id="2147483655" r:id="rId7"/>
-    <p:sldLayoutId id="2147483656" r:id="rId8"/>
-    <p:sldLayoutId id="2147483657" r:id="rId9"/>
-    <p:sldLayoutId id="2147483658" r:id="rId10"/>
-    <p:sldLayoutId id="2147483659" r:id="rId11"/>
+    <p:sldLayoutId id="2147483691" r:id="rId1"/>
+    <p:sldLayoutId id="2147483692" r:id="rId2"/>
+    <p:sldLayoutId id="2147483693" r:id="rId3"/>
+    <p:sldLayoutId id="2147483694" r:id="rId4"/>
+    <p:sldLayoutId id="2147483695" r:id="rId5"/>
+    <p:sldLayoutId id="2147483696" r:id="rId6"/>
+    <p:sldLayoutId id="2147483697" r:id="rId7"/>
+    <p:sldLayoutId id="2147483698" r:id="rId8"/>
+    <p:sldLayoutId id="2147483699" r:id="rId9"/>
+    <p:sldLayoutId id="2147483700" r:id="rId10"/>
+    <p:sldLayoutId id="2147483701" r:id="rId11"/>
   </p:sldLayoutIdLst>
   <p:txStyles>
     <p:titleStyle>
-      <a:lvl1pPr algn="ctr" defTabSz="914400" rtl="0" eaLnBrk="1" latinLnBrk="0" hangingPunct="1">
+      <a:lvl1pPr algn="l" defTabSz="914400" rtl="0" eaLnBrk="1" latinLnBrk="0" hangingPunct="1">
+        <a:lnSpc>
+          <a:spcPct val="90000"/>
+        </a:lnSpc>
         <a:spcBef>
           <a:spcPct val="0"/>
         </a:spcBef>
         <a:buNone/>
-        <a:defRPr sz="4400" kern="1200">
+        <a:defRPr sz="4800" kern="1200" spc="-120" baseline="0">
           <a:solidFill>
-            <a:schemeClr val="tx1"/>
+            <a:schemeClr val="accent1"/>
           </a:solidFill>
           <a:latin typeface="+mj-lt"/>
           <a:ea typeface="+mj-ea"/>
@@ -2813,135 +3110,189 @@
       </a:lvl1pPr>
     </p:titleStyle>
     <p:bodyStyle>
-      <a:lvl1pPr marL="342900" indent="-342900" algn="l" defTabSz="914400" rtl="0" eaLnBrk="1" latinLnBrk="0" hangingPunct="1">
+      <a:lvl1pPr marL="91440" indent="-91440" algn="l" defTabSz="914400" rtl="0" eaLnBrk="1" latinLnBrk="0" hangingPunct="1">
+        <a:lnSpc>
+          <a:spcPct val="85000"/>
+        </a:lnSpc>
         <a:spcBef>
-          <a:spcPct val="20000"/>
+          <a:spcPts val="1300"/>
         </a:spcBef>
         <a:buFont typeface="Arial" pitchFamily="34" charset="0"/>
-        <a:buChar char="•"/>
-        <a:defRPr sz="3200" kern="1200">
+        <a:buChar char=" "/>
+        <a:defRPr sz="2400" kern="1200">
           <a:solidFill>
-            <a:schemeClr val="tx1"/>
+            <a:schemeClr val="tx1">
+              <a:lumMod val="85000"/>
+              <a:lumOff val="15000"/>
+            </a:schemeClr>
           </a:solidFill>
           <a:latin typeface="+mn-lt"/>
           <a:ea typeface="+mn-ea"/>
           <a:cs typeface="+mn-cs"/>
         </a:defRPr>
       </a:lvl1pPr>
-      <a:lvl2pPr marL="742950" indent="-285750" algn="l" defTabSz="914400" rtl="0" eaLnBrk="1" latinLnBrk="0" hangingPunct="1">
+      <a:lvl2pPr marL="274320" indent="-342900" algn="l" defTabSz="914400" rtl="0" eaLnBrk="1" latinLnBrk="0" hangingPunct="1">
+        <a:lnSpc>
+          <a:spcPct val="85000"/>
+        </a:lnSpc>
         <a:spcBef>
-          <a:spcPct val="20000"/>
+          <a:spcPts val="600"/>
         </a:spcBef>
         <a:buFont typeface="Arial" pitchFamily="34" charset="0"/>
-        <a:buChar char="–"/>
-        <a:defRPr sz="2800" kern="1200">
+        <a:buChar char=" "/>
+        <a:defRPr sz="2400" kern="1200">
           <a:solidFill>
-            <a:schemeClr val="tx1"/>
+            <a:schemeClr val="tx1">
+              <a:lumMod val="85000"/>
+              <a:lumOff val="15000"/>
+            </a:schemeClr>
           </a:solidFill>
           <a:latin typeface="+mn-lt"/>
           <a:ea typeface="+mn-ea"/>
           <a:cs typeface="+mn-cs"/>
         </a:defRPr>
       </a:lvl2pPr>
-      <a:lvl3pPr marL="1143000" indent="-228600" algn="l" defTabSz="914400" rtl="0" eaLnBrk="1" latinLnBrk="0" hangingPunct="1">
+      <a:lvl3pPr marL="548640" indent="-548640" algn="l" defTabSz="914400" rtl="0" eaLnBrk="1" latinLnBrk="0" hangingPunct="1">
+        <a:lnSpc>
+          <a:spcPct val="85000"/>
+        </a:lnSpc>
         <a:spcBef>
-          <a:spcPct val="20000"/>
+          <a:spcPts val="600"/>
         </a:spcBef>
         <a:buFont typeface="Arial" pitchFamily="34" charset="0"/>
-        <a:buChar char="•"/>
-        <a:defRPr sz="2400" kern="1200">
+        <a:buChar char=" "/>
+        <a:defRPr sz="2000" i="1" kern="1200">
           <a:solidFill>
-            <a:schemeClr val="tx1"/>
+            <a:schemeClr val="tx1">
+              <a:lumMod val="85000"/>
+              <a:lumOff val="15000"/>
+            </a:schemeClr>
           </a:solidFill>
           <a:latin typeface="+mn-lt"/>
           <a:ea typeface="+mn-ea"/>
           <a:cs typeface="+mn-cs"/>
         </a:defRPr>
       </a:lvl3pPr>
-      <a:lvl4pPr marL="1600200" indent="-228600" algn="l" defTabSz="914400" rtl="0" eaLnBrk="1" latinLnBrk="0" hangingPunct="1">
+      <a:lvl4pPr marL="822960" indent="-822960" algn="l" defTabSz="914400" rtl="0" eaLnBrk="1" latinLnBrk="0" hangingPunct="1">
+        <a:lnSpc>
+          <a:spcPct val="85000"/>
+        </a:lnSpc>
         <a:spcBef>
-          <a:spcPct val="20000"/>
+          <a:spcPts val="600"/>
         </a:spcBef>
         <a:buFont typeface="Arial" pitchFamily="34" charset="0"/>
-        <a:buChar char="–"/>
-        <a:defRPr sz="2000" kern="1200">
+        <a:buChar char=" "/>
+        <a:defRPr sz="1800" kern="1200">
           <a:solidFill>
-            <a:schemeClr val="tx1"/>
+            <a:schemeClr val="tx1">
+              <a:lumMod val="85000"/>
+              <a:lumOff val="15000"/>
+            </a:schemeClr>
           </a:solidFill>
           <a:latin typeface="+mn-lt"/>
           <a:ea typeface="+mn-ea"/>
           <a:cs typeface="+mn-cs"/>
         </a:defRPr>
       </a:lvl4pPr>
-      <a:lvl5pPr marL="2057400" indent="-228600" algn="l" defTabSz="914400" rtl="0" eaLnBrk="1" latinLnBrk="0" hangingPunct="1">
+      <a:lvl5pPr marL="1097280" indent="-1097280" algn="l" defTabSz="914400" rtl="0" eaLnBrk="1" latinLnBrk="0" hangingPunct="1">
+        <a:lnSpc>
+          <a:spcPct val="85000"/>
+        </a:lnSpc>
         <a:spcBef>
-          <a:spcPct val="20000"/>
+          <a:spcPts val="600"/>
         </a:spcBef>
         <a:buFont typeface="Arial" pitchFamily="34" charset="0"/>
-        <a:buChar char="»"/>
-        <a:defRPr sz="2000" kern="1200">
+        <a:buChar char=" "/>
+        <a:defRPr sz="1800" kern="1200">
           <a:solidFill>
-            <a:schemeClr val="tx1"/>
+            <a:schemeClr val="tx1">
+              <a:lumMod val="85000"/>
+              <a:lumOff val="15000"/>
+            </a:schemeClr>
           </a:solidFill>
           <a:latin typeface="+mn-lt"/>
           <a:ea typeface="+mn-ea"/>
           <a:cs typeface="+mn-cs"/>
         </a:defRPr>
       </a:lvl5pPr>
-      <a:lvl6pPr marL="2514600" indent="-228600" algn="l" defTabSz="914400" rtl="0" eaLnBrk="1" latinLnBrk="0" hangingPunct="1">
+      <a:lvl6pPr marL="1200000" indent="-228600" algn="l" defTabSz="914400" rtl="0" eaLnBrk="1" latinLnBrk="0" hangingPunct="1">
+        <a:lnSpc>
+          <a:spcPct val="85000"/>
+        </a:lnSpc>
         <a:spcBef>
-          <a:spcPct val="20000"/>
+          <a:spcPts val="600"/>
         </a:spcBef>
         <a:buFont typeface="Arial" pitchFamily="34" charset="0"/>
-        <a:buChar char="•"/>
-        <a:defRPr sz="2000" kern="1200">
+        <a:buChar char=" "/>
+        <a:defRPr sz="1800" kern="1200">
           <a:solidFill>
-            <a:schemeClr val="tx1"/>
+            <a:schemeClr val="tx1">
+              <a:lumMod val="85000"/>
+              <a:lumOff val="15000"/>
+            </a:schemeClr>
           </a:solidFill>
           <a:latin typeface="+mn-lt"/>
           <a:ea typeface="+mn-ea"/>
           <a:cs typeface="+mn-cs"/>
         </a:defRPr>
       </a:lvl6pPr>
-      <a:lvl7pPr marL="2971800" indent="-228600" algn="l" defTabSz="914400" rtl="0" eaLnBrk="1" latinLnBrk="0" hangingPunct="1">
+      <a:lvl7pPr marL="1400000" indent="-228600" algn="l" defTabSz="914400" rtl="0" eaLnBrk="1" latinLnBrk="0" hangingPunct="1">
+        <a:lnSpc>
+          <a:spcPct val="85000"/>
+        </a:lnSpc>
         <a:spcBef>
-          <a:spcPct val="20000"/>
+          <a:spcPts val="600"/>
         </a:spcBef>
         <a:buFont typeface="Arial" pitchFamily="34" charset="0"/>
-        <a:buChar char="•"/>
-        <a:defRPr sz="2000" kern="1200">
+        <a:buChar char=" "/>
+        <a:defRPr sz="1800" kern="1200">
           <a:solidFill>
-            <a:schemeClr val="tx1"/>
+            <a:schemeClr val="tx1">
+              <a:lumMod val="85000"/>
+              <a:lumOff val="15000"/>
+            </a:schemeClr>
           </a:solidFill>
           <a:latin typeface="+mn-lt"/>
           <a:ea typeface="+mn-ea"/>
           <a:cs typeface="+mn-cs"/>
         </a:defRPr>
       </a:lvl7pPr>
-      <a:lvl8pPr marL="3429000" indent="-228600" algn="l" defTabSz="914400" rtl="0" eaLnBrk="1" latinLnBrk="0" hangingPunct="1">
+      <a:lvl8pPr marL="1600000" indent="-228600" algn="l" defTabSz="914400" rtl="0" eaLnBrk="1" latinLnBrk="0" hangingPunct="1">
+        <a:lnSpc>
+          <a:spcPct val="85000"/>
+        </a:lnSpc>
         <a:spcBef>
-          <a:spcPct val="20000"/>
+          <a:spcPts val="600"/>
         </a:spcBef>
         <a:buFont typeface="Arial" pitchFamily="34" charset="0"/>
-        <a:buChar char="•"/>
-        <a:defRPr sz="2000" kern="1200">
+        <a:buChar char=" "/>
+        <a:defRPr sz="1800" kern="1200">
           <a:solidFill>
-            <a:schemeClr val="tx1"/>
+            <a:schemeClr val="tx1">
+              <a:lumMod val="85000"/>
+              <a:lumOff val="15000"/>
+            </a:schemeClr>
           </a:solidFill>
           <a:latin typeface="+mn-lt"/>
           <a:ea typeface="+mn-ea"/>
           <a:cs typeface="+mn-cs"/>
         </a:defRPr>
       </a:lvl8pPr>
-      <a:lvl9pPr marL="3886200" indent="-228600" algn="l" defTabSz="914400" rtl="0" eaLnBrk="1" latinLnBrk="0" hangingPunct="1">
+      <a:lvl9pPr marL="1800000" indent="-228600" algn="l" defTabSz="914400" rtl="0" eaLnBrk="1" latinLnBrk="0" hangingPunct="1">
+        <a:lnSpc>
+          <a:spcPct val="85000"/>
+        </a:lnSpc>
         <a:spcBef>
-          <a:spcPct val="20000"/>
+          <a:spcPts val="600"/>
         </a:spcBef>
         <a:buFont typeface="Arial" pitchFamily="34" charset="0"/>
-        <a:buChar char="•"/>
-        <a:defRPr sz="2000" kern="1200">
+        <a:buChar char=" "/>
+        <a:defRPr sz="1800" kern="1200">
           <a:solidFill>
-            <a:schemeClr val="tx1"/>
+            <a:schemeClr val="tx1">
+              <a:lumMod val="85000"/>
+              <a:lumOff val="15000"/>
+            </a:schemeClr>
           </a:solidFill>
           <a:latin typeface="+mn-lt"/>
           <a:ea typeface="+mn-ea"/>
@@ -2951,7 +3302,7 @@
     </p:bodyStyle>
     <p:otherStyle>
       <a:defPPr>
-        <a:defRPr lang="ru-RU"/>
+        <a:defRPr lang="en-US"/>
       </a:defPPr>
       <a:lvl1pPr marL="0" algn="l" defTabSz="914400" rtl="0" eaLnBrk="1" latinLnBrk="0" hangingPunct="1">
         <a:defRPr sz="1800" kern="1200">
@@ -3106,7 +3457,7 @@
         </p:spPr>
         <p:txBody>
           <a:bodyPr>
-            <a:normAutofit fontScale="92500" lnSpcReduction="10000"/>
+            <a:normAutofit/>
           </a:bodyPr>
           <a:lstStyle/>
           <a:p>
@@ -3294,7 +3645,7 @@
         <p:spPr/>
         <p:txBody>
           <a:bodyPr>
-            <a:normAutofit fontScale="85000" lnSpcReduction="10000"/>
+            <a:normAutofit lnSpcReduction="10000"/>
           </a:bodyPr>
           <a:lstStyle/>
           <a:p>
@@ -3448,7 +3799,7 @@
         <p:spPr/>
         <p:txBody>
           <a:bodyPr>
-            <a:normAutofit fontScale="85000" lnSpcReduction="10000"/>
+            <a:normAutofit lnSpcReduction="10000"/>
           </a:bodyPr>
           <a:lstStyle/>
           <a:p>
@@ -3647,15 +3998,14 @@
         </p:nvPicPr>
         <p:blipFill>
           <a:blip r:embed="rId2" cstate="print"/>
-          <a:srcRect/>
           <a:stretch>
             <a:fillRect/>
           </a:stretch>
         </p:blipFill>
         <p:spPr bwMode="auto">
           <a:xfrm>
-            <a:off x="457200" y="1828390"/>
-            <a:ext cx="8229600" cy="4069582"/>
+            <a:off x="732067" y="1993900"/>
+            <a:ext cx="7614778" cy="3765550"/>
           </a:xfrm>
           <a:prstGeom prst="rect">
             <a:avLst/>
@@ -4010,11 +4360,7 @@
           <a:p>
             <a:r>
               <a:rPr lang="en-US" dirty="0" smtClean="0"/>
-              <a:t>A recurrent neural network (RNN) is a class of artificial neural network where connections between units form a directed cycle</a:t>
-            </a:r>
-            <a:r>
-              <a:rPr lang="en-US" dirty="0" smtClean="0"/>
-              <a:t>.</a:t>
+              <a:t>A recurrent neural network (RNN) is a class of artificial neural network where connections between units form a directed cycle.</a:t>
             </a:r>
             <a:endParaRPr lang="ru-RU" dirty="0" smtClean="0"/>
           </a:p>
@@ -4089,7 +4435,12 @@
             <p:ph type="title"/>
           </p:nvPr>
         </p:nvSpPr>
-        <p:spPr/>
+        <p:spPr>
+          <a:xfrm>
+            <a:off x="492919" y="188641"/>
+            <a:ext cx="8079581" cy="792087"/>
+          </a:xfrm>
+        </p:spPr>
         <p:txBody>
           <a:bodyPr/>
           <a:lstStyle/>
@@ -4112,119 +4463,184 @@
             <p:ph idx="1"/>
           </p:nvPr>
         </p:nvSpPr>
-        <p:spPr/>
+        <p:spPr>
+          <a:xfrm>
+            <a:off x="507206" y="980728"/>
+            <a:ext cx="8065294" cy="5877271"/>
+          </a:xfrm>
+        </p:spPr>
         <p:txBody>
           <a:bodyPr>
-            <a:normAutofit fontScale="47500" lnSpcReduction="20000"/>
+            <a:noAutofit/>
           </a:bodyPr>
           <a:lstStyle/>
           <a:p>
             <a:r>
-              <a:rPr lang="en-US" dirty="0" smtClean="0"/>
+              <a:rPr lang="en-US" sz="1400" dirty="0" smtClean="0">
+                <a:latin typeface="Times New Roman" panose="02020603050405020304" pitchFamily="18" charset="0"/>
+                <a:cs typeface="Times New Roman" panose="02020603050405020304" pitchFamily="18" charset="0"/>
+              </a:rPr>
               <a:t>Fully recurrent network</a:t>
             </a:r>
           </a:p>
           <a:p>
             <a:r>
-              <a:rPr lang="en-US" dirty="0" smtClean="0"/>
+              <a:rPr lang="en-US" sz="1400" dirty="0" smtClean="0">
+                <a:latin typeface="Times New Roman" panose="02020603050405020304" pitchFamily="18" charset="0"/>
+                <a:cs typeface="Times New Roman" panose="02020603050405020304" pitchFamily="18" charset="0"/>
+              </a:rPr>
               <a:t>Recursive neural networks</a:t>
             </a:r>
           </a:p>
           <a:p>
             <a:r>
-              <a:rPr lang="en-US" dirty="0" smtClean="0"/>
+              <a:rPr lang="en-US" sz="1400" dirty="0" smtClean="0">
+                <a:latin typeface="Times New Roman" panose="02020603050405020304" pitchFamily="18" charset="0"/>
+                <a:cs typeface="Times New Roman" panose="02020603050405020304" pitchFamily="18" charset="0"/>
+              </a:rPr>
               <a:t>Hopfield network</a:t>
             </a:r>
           </a:p>
           <a:p>
             <a:r>
-              <a:rPr lang="en-US" dirty="0" smtClean="0"/>
+              <a:rPr lang="en-US" sz="1400" dirty="0" smtClean="0">
+                <a:latin typeface="Times New Roman" panose="02020603050405020304" pitchFamily="18" charset="0"/>
+                <a:cs typeface="Times New Roman" panose="02020603050405020304" pitchFamily="18" charset="0"/>
+              </a:rPr>
               <a:t>Elman networks and Jordan networks</a:t>
             </a:r>
           </a:p>
           <a:p>
             <a:r>
-              <a:rPr lang="en-US" dirty="0" smtClean="0"/>
+              <a:rPr lang="en-US" sz="1400" dirty="0" smtClean="0">
+                <a:latin typeface="Times New Roman" panose="02020603050405020304" pitchFamily="18" charset="0"/>
+                <a:cs typeface="Times New Roman" panose="02020603050405020304" pitchFamily="18" charset="0"/>
+              </a:rPr>
               <a:t>Echo state network</a:t>
             </a:r>
           </a:p>
           <a:p>
             <a:r>
-              <a:rPr lang="en-US" dirty="0" smtClean="0"/>
+              <a:rPr lang="en-US" sz="1400" dirty="0" smtClean="0">
+                <a:latin typeface="Times New Roman" panose="02020603050405020304" pitchFamily="18" charset="0"/>
+                <a:cs typeface="Times New Roman" panose="02020603050405020304" pitchFamily="18" charset="0"/>
+              </a:rPr>
               <a:t>Neural history compressor</a:t>
             </a:r>
           </a:p>
           <a:p>
             <a:r>
-              <a:rPr lang="en-US" dirty="0" smtClean="0"/>
+              <a:rPr lang="en-US" sz="1400" dirty="0" smtClean="0">
+                <a:latin typeface="Times New Roman" panose="02020603050405020304" pitchFamily="18" charset="0"/>
+                <a:cs typeface="Times New Roman" panose="02020603050405020304" pitchFamily="18" charset="0"/>
+              </a:rPr>
               <a:t>Long short term memory</a:t>
             </a:r>
           </a:p>
           <a:p>
             <a:r>
-              <a:rPr lang="en-US" dirty="0" smtClean="0"/>
+              <a:rPr lang="en-US" sz="1400" dirty="0" smtClean="0">
+                <a:latin typeface="Times New Roman" panose="02020603050405020304" pitchFamily="18" charset="0"/>
+                <a:cs typeface="Times New Roman" panose="02020603050405020304" pitchFamily="18" charset="0"/>
+              </a:rPr>
               <a:t>Bi-directional RNN</a:t>
             </a:r>
           </a:p>
           <a:p>
             <a:r>
-              <a:rPr lang="en-US" dirty="0" smtClean="0"/>
+              <a:rPr lang="en-US" sz="1400" dirty="0" smtClean="0">
+                <a:latin typeface="Times New Roman" panose="02020603050405020304" pitchFamily="18" charset="0"/>
+                <a:cs typeface="Times New Roman" panose="02020603050405020304" pitchFamily="18" charset="0"/>
+              </a:rPr>
               <a:t>Continuous-time RNN</a:t>
             </a:r>
           </a:p>
           <a:p>
             <a:r>
-              <a:rPr lang="en-US" dirty="0" smtClean="0"/>
+              <a:rPr lang="en-US" sz="1400" dirty="0" smtClean="0">
+                <a:latin typeface="Times New Roman" panose="02020603050405020304" pitchFamily="18" charset="0"/>
+                <a:cs typeface="Times New Roman" panose="02020603050405020304" pitchFamily="18" charset="0"/>
+              </a:rPr>
               <a:t>Hierarchical RNN</a:t>
             </a:r>
           </a:p>
           <a:p>
             <a:r>
-              <a:rPr lang="en-US" dirty="0" smtClean="0"/>
+              <a:rPr lang="en-US" sz="1400" dirty="0" smtClean="0">
+                <a:latin typeface="Times New Roman" panose="02020603050405020304" pitchFamily="18" charset="0"/>
+                <a:cs typeface="Times New Roman" panose="02020603050405020304" pitchFamily="18" charset="0"/>
+              </a:rPr>
               <a:t>Recurrent multilayer </a:t>
             </a:r>
             <a:r>
-              <a:rPr lang="en-US" dirty="0" err="1" smtClean="0"/>
+              <a:rPr lang="en-US" sz="1400" dirty="0" err="1" smtClean="0">
+                <a:latin typeface="Times New Roman" panose="02020603050405020304" pitchFamily="18" charset="0"/>
+                <a:cs typeface="Times New Roman" panose="02020603050405020304" pitchFamily="18" charset="0"/>
+              </a:rPr>
               <a:t>perceptron</a:t>
             </a:r>
-            <a:endParaRPr lang="en-US" dirty="0" smtClean="0"/>
-          </a:p>
-          <a:p>
-            <a:r>
-              <a:rPr lang="en-US" dirty="0" smtClean="0"/>
+            <a:endParaRPr lang="en-US" sz="1400" dirty="0" smtClean="0">
+              <a:latin typeface="Times New Roman" panose="02020603050405020304" pitchFamily="18" charset="0"/>
+              <a:cs typeface="Times New Roman" panose="02020603050405020304" pitchFamily="18" charset="0"/>
+            </a:endParaRPr>
+          </a:p>
+          <a:p>
+            <a:r>
+              <a:rPr lang="en-US" sz="1400" dirty="0" smtClean="0">
+                <a:latin typeface="Times New Roman" panose="02020603050405020304" pitchFamily="18" charset="0"/>
+                <a:cs typeface="Times New Roman" panose="02020603050405020304" pitchFamily="18" charset="0"/>
+              </a:rPr>
               <a:t>Second order RNN</a:t>
             </a:r>
           </a:p>
           <a:p>
             <a:r>
-              <a:rPr lang="en-US" dirty="0" smtClean="0"/>
+              <a:rPr lang="en-US" sz="1400" dirty="0" smtClean="0">
+                <a:latin typeface="Times New Roman" panose="02020603050405020304" pitchFamily="18" charset="0"/>
+                <a:cs typeface="Times New Roman" panose="02020603050405020304" pitchFamily="18" charset="0"/>
+              </a:rPr>
               <a:t>Multiple timescales recurrent neural network (MTRNN) model</a:t>
             </a:r>
           </a:p>
           <a:p>
             <a:r>
-              <a:rPr lang="en-US" dirty="0" smtClean="0"/>
+              <a:rPr lang="en-US" sz="1400" dirty="0" smtClean="0">
+                <a:latin typeface="Times New Roman" panose="02020603050405020304" pitchFamily="18" charset="0"/>
+                <a:cs typeface="Times New Roman" panose="02020603050405020304" pitchFamily="18" charset="0"/>
+              </a:rPr>
               <a:t>Pollack's sequential cascaded networks</a:t>
             </a:r>
           </a:p>
           <a:p>
             <a:r>
-              <a:rPr lang="en-US" dirty="0" smtClean="0"/>
+              <a:rPr lang="en-US" sz="1400" dirty="0" smtClean="0">
+                <a:latin typeface="Times New Roman" panose="02020603050405020304" pitchFamily="18" charset="0"/>
+                <a:cs typeface="Times New Roman" panose="02020603050405020304" pitchFamily="18" charset="0"/>
+              </a:rPr>
               <a:t>Neural Turing Machines</a:t>
             </a:r>
           </a:p>
           <a:p>
             <a:r>
-              <a:rPr lang="en-US" dirty="0" smtClean="0"/>
+              <a:rPr lang="en-US" sz="1400" dirty="0" smtClean="0">
+                <a:latin typeface="Times New Roman" panose="02020603050405020304" pitchFamily="18" charset="0"/>
+                <a:cs typeface="Times New Roman" panose="02020603050405020304" pitchFamily="18" charset="0"/>
+              </a:rPr>
               <a:t>Neural network pushdown automata</a:t>
             </a:r>
           </a:p>
           <a:p>
             <a:r>
-              <a:rPr lang="en-US" dirty="0" smtClean="0"/>
+              <a:rPr lang="en-US" sz="1400" dirty="0" smtClean="0">
+                <a:latin typeface="Times New Roman" panose="02020603050405020304" pitchFamily="18" charset="0"/>
+                <a:cs typeface="Times New Roman" panose="02020603050405020304" pitchFamily="18" charset="0"/>
+              </a:rPr>
               <a:t>Bidirectional associative memory</a:t>
             </a:r>
-            <a:endParaRPr lang="ru-RU" dirty="0"/>
+            <a:endParaRPr lang="ru-RU" sz="1400" dirty="0">
+              <a:latin typeface="Times New Roman" panose="02020603050405020304" pitchFamily="18" charset="0"/>
+              <a:cs typeface="Times New Roman" panose="02020603050405020304" pitchFamily="18" charset="0"/>
+            </a:endParaRPr>
           </a:p>
         </p:txBody>
       </p:sp>
@@ -4233,6 +4649,13 @@
   <p:clrMapOvr>
     <a:masterClrMapping/>
   </p:clrMapOvr>
+  <p:timing>
+    <p:tnLst>
+      <p:par>
+        <p:cTn id="1" dur="indefinite" restart="never" nodeType="tmRoot"/>
+      </p:par>
+    </p:tnLst>
+  </p:timing>
 </p:sld>
 </file>
 
@@ -4419,7 +4842,7 @@
         <p:spPr/>
         <p:txBody>
           <a:bodyPr>
-            <a:normAutofit lnSpcReduction="10000"/>
+            <a:normAutofit/>
           </a:bodyPr>
           <a:lstStyle/>
           <a:p>
@@ -4494,7 +4917,7 @@
         <p:spPr/>
         <p:txBody>
           <a:bodyPr>
-            <a:normAutofit fontScale="92500"/>
+            <a:normAutofit/>
           </a:bodyPr>
           <a:lstStyle/>
           <a:p>
@@ -4588,7 +5011,7 @@
         <p:spPr/>
         <p:txBody>
           <a:bodyPr>
-            <a:normAutofit lnSpcReduction="10000"/>
+            <a:normAutofit/>
           </a:bodyPr>
           <a:lstStyle/>
           <a:p>
@@ -4689,8 +5112,8 @@
         </p:blipFill>
         <p:spPr>
           <a:xfrm>
-            <a:off x="457200" y="0"/>
-            <a:ext cx="8507288" cy="6525344"/>
+            <a:off x="1500981" y="2166937"/>
+            <a:ext cx="6076950" cy="3419475"/>
           </a:xfrm>
         </p:spPr>
       </p:pic>
@@ -4715,9 +5138,9 @@
 </file>
 
 <file path=ppt/theme/theme1.xml><?xml version="1.0" encoding="utf-8"?>
-<a:theme xmlns:a="http://schemas.openxmlformats.org/drawingml/2006/main" name="Тема Office">
+<a:theme xmlns:a="http://schemas.openxmlformats.org/drawingml/2006/main" name="Метрополия">
   <a:themeElements>
-    <a:clrScheme name="Стандартная">
+    <a:clrScheme name="Метрополия">
       <a:dk1>
         <a:sysClr val="windowText" lastClr="000000"/>
       </a:dk1>
@@ -4725,39 +5148,39 @@
         <a:sysClr val="window" lastClr="FFFFFF"/>
       </a:lt1>
       <a:dk2>
-        <a:srgbClr val="1F497D"/>
+        <a:srgbClr val="162F33"/>
       </a:dk2>
       <a:lt2>
-        <a:srgbClr val="EEECE1"/>
+        <a:srgbClr val="EAF0E0"/>
       </a:lt2>
       <a:accent1>
-        <a:srgbClr val="4F81BD"/>
+        <a:srgbClr val="50B4C8"/>
       </a:accent1>
       <a:accent2>
-        <a:srgbClr val="C0504D"/>
+        <a:srgbClr val="A8B97F"/>
       </a:accent2>
       <a:accent3>
-        <a:srgbClr val="9BBB59"/>
+        <a:srgbClr val="9B9256"/>
       </a:accent3>
       <a:accent4>
-        <a:srgbClr val="8064A2"/>
+        <a:srgbClr val="657689"/>
       </a:accent4>
       <a:accent5>
-        <a:srgbClr val="4BACC6"/>
+        <a:srgbClr val="7A855D"/>
       </a:accent5>
       <a:accent6>
-        <a:srgbClr val="F79646"/>
+        <a:srgbClr val="84AC9D"/>
       </a:accent6>
       <a:hlink>
-        <a:srgbClr val="0000FF"/>
+        <a:srgbClr val="2370CD"/>
       </a:hlink>
       <a:folHlink>
-        <a:srgbClr val="800080"/>
+        <a:srgbClr val="877589"/>
       </a:folHlink>
     </a:clrScheme>
-    <a:fontScheme name="Стандартная">
+    <a:fontScheme name="Метрополия">
       <a:majorFont>
-        <a:latin typeface="Calibri"/>
+        <a:latin typeface="Calibri Light" panose="020F0302020204030204"/>
         <a:ea typeface=""/>
         <a:cs typeface=""/>
         <a:font script="Jpan" typeface="ＭＳ Ｐゴシック"/>
@@ -4789,22 +5212,23 @@
         <a:font script="Mong" typeface="Mongolian Baiti"/>
         <a:font script="Viet" typeface="Times New Roman"/>
         <a:font script="Uigh" typeface="Microsoft Uighur"/>
+        <a:font script="Geor" typeface="Sylfaen"/>
       </a:majorFont>
       <a:minorFont>
-        <a:latin typeface="Calibri"/>
+        <a:latin typeface="Calibri Light" panose="020F0302020204030204"/>
         <a:ea typeface=""/>
         <a:cs typeface=""/>
         <a:font script="Jpan" typeface="ＭＳ Ｐゴシック"/>
         <a:font script="Hang" typeface="맑은 고딕"/>
         <a:font script="Hans" typeface="宋体"/>
         <a:font script="Hant" typeface="新細明體"/>
-        <a:font script="Arab" typeface="Arial"/>
-        <a:font script="Hebr" typeface="Arial"/>
-        <a:font script="Thai" typeface="Cordia New"/>
+        <a:font script="Arab" typeface="Times New Roman"/>
+        <a:font script="Hebr" typeface="Times New Roman"/>
+        <a:font script="Thai" typeface="Angsana New"/>
         <a:font script="Ethi" typeface="Nyala"/>
         <a:font script="Beng" typeface="Vrinda"/>
         <a:font script="Gujr" typeface="Shruti"/>
-        <a:font script="Khmr" typeface="DaunPenh"/>
+        <a:font script="Khmr" typeface="MoolBoran"/>
         <a:font script="Knda" typeface="Tunga"/>
         <a:font script="Guru" typeface="Raavi"/>
         <a:font script="Cans" typeface="Euphemia"/>
@@ -4821,11 +5245,12 @@
         <a:font script="Laoo" typeface="DokChampa"/>
         <a:font script="Sinh" typeface="Iskoola Pota"/>
         <a:font script="Mong" typeface="Mongolian Baiti"/>
-        <a:font script="Viet" typeface="Arial"/>
+        <a:font script="Viet" typeface="Times New Roman"/>
         <a:font script="Uigh" typeface="Microsoft Uighur"/>
+        <a:font script="Geor" typeface="Sylfaen"/>
       </a:minorFont>
     </a:fontScheme>
-    <a:fmtScheme name="Стандартная">
+    <a:fmtScheme name="Метрополия">
       <a:fillStyleLst>
         <a:solidFill>
           <a:schemeClr val="phClr"/>
@@ -4834,66 +5259,69 @@
           <a:gsLst>
             <a:gs pos="0">
               <a:schemeClr val="phClr">
-                <a:tint val="50000"/>
-                <a:satMod val="300000"/>
+                <a:tint val="70000"/>
+                <a:satMod val="100000"/>
+                <a:lumMod val="110000"/>
               </a:schemeClr>
             </a:gs>
-            <a:gs pos="35000">
+            <a:gs pos="50000">
               <a:schemeClr val="phClr">
-                <a:tint val="37000"/>
-                <a:satMod val="300000"/>
+                <a:tint val="75000"/>
+                <a:satMod val="101000"/>
+                <a:lumMod val="105000"/>
               </a:schemeClr>
             </a:gs>
             <a:gs pos="100000">
               <a:schemeClr val="phClr">
-                <a:tint val="15000"/>
-                <a:satMod val="350000"/>
+                <a:tint val="82000"/>
+                <a:satMod val="104000"/>
+                <a:lumMod val="105000"/>
               </a:schemeClr>
             </a:gs>
           </a:gsLst>
-          <a:lin ang="16200000" scaled="1"/>
+          <a:lin ang="2700000" scaled="0"/>
         </a:gradFill>
         <a:gradFill rotWithShape="1">
           <a:gsLst>
             <a:gs pos="0">
               <a:schemeClr val="phClr">
-                <a:shade val="51000"/>
-                <a:satMod val="130000"/>
+                <a:tint val="97000"/>
+                <a:satMod val="100000"/>
+                <a:lumMod val="102000"/>
               </a:schemeClr>
             </a:gs>
-            <a:gs pos="80000">
+            <a:gs pos="50000">
               <a:schemeClr val="phClr">
-                <a:shade val="93000"/>
-                <a:satMod val="130000"/>
+                <a:shade val="100000"/>
+                <a:satMod val="100000"/>
+                <a:lumMod val="100000"/>
               </a:schemeClr>
             </a:gs>
             <a:gs pos="100000">
               <a:schemeClr val="phClr">
-                <a:shade val="94000"/>
-                <a:satMod val="135000"/>
+                <a:shade val="80000"/>
+                <a:satMod val="100000"/>
+                <a:lumMod val="99000"/>
               </a:schemeClr>
             </a:gs>
           </a:gsLst>
-          <a:lin ang="16200000" scaled="0"/>
+          <a:lin ang="2700000" scaled="0"/>
         </a:gradFill>
       </a:fillStyleLst>
       <a:lnStyleLst>
         <a:ln w="9525" cap="flat" cmpd="sng" algn="ctr">
           <a:solidFill>
-            <a:schemeClr val="phClr">
-              <a:shade val="95000"/>
-              <a:satMod val="105000"/>
-            </a:schemeClr>
+            <a:schemeClr val="phClr"/>
           </a:solidFill>
           <a:prstDash val="solid"/>
         </a:ln>
-        <a:ln w="25400" cap="flat" cmpd="sng" algn="ctr">
+        <a:ln w="12700" cap="flat" cmpd="sng" algn="ctr">
           <a:solidFill>
             <a:schemeClr val="phClr"/>
           </a:solidFill>
           <a:prstDash val="solid"/>
         </a:ln>
-        <a:ln w="38100" cap="flat" cmpd="sng" algn="ctr">
+        <a:ln w="19050" cap="flat" cmpd="sng" algn="ctr">
           <a:solidFill>
             <a:schemeClr val="phClr"/>
           </a:solidFill>
@@ -4902,97 +5330,46 @@
       </a:lnStyleLst>
       <a:effectStyleLst>
         <a:effectStyle>
+          <a:effectLst/>
+        </a:effectStyle>
+        <a:effectStyle>
+          <a:effectLst/>
+        </a:effectStyle>
+        <a:effectStyle>
           <a:effectLst>
-            <a:outerShdw blurRad="40000" dist="20000" dir="5400000" rotWithShape="0">
+            <a:outerShdw blurRad="57150" dist="19050" dir="5400000" algn="ctr" rotWithShape="0">
               <a:srgbClr val="000000">
-                <a:alpha val="38000"/>
+                <a:alpha val="63000"/>
               </a:srgbClr>
             </a:outerShdw>
           </a:effectLst>
-        </a:effectStyle>
-        <a:effectStyle>
-          <a:effectLst>
-            <a:outerShdw blurRad="40000" dist="23000" dir="5400000" rotWithShape="0">
-              <a:srgbClr val="000000">
-                <a:alpha val="35000"/>
-              </a:srgbClr>
-            </a:outerShdw>
-          </a:effectLst>
-        </a:effectStyle>
-        <a:effectStyle>
-          <a:effectLst>
-            <a:outerShdw blurRad="40000" dist="23000" dir="5400000" rotWithShape="0">
-              <a:srgbClr val="000000">
-                <a:alpha val="35000"/>
-              </a:srgbClr>
-            </a:outerShdw>
-          </a:effectLst>
-          <a:scene3d>
-            <a:camera prst="orthographicFront">
-              <a:rot lat="0" lon="0" rev="0"/>
-            </a:camera>
-            <a:lightRig rig="threePt" dir="t">
-              <a:rot lat="0" lon="0" rev="1200000"/>
-            </a:lightRig>
-          </a:scene3d>
-          <a:sp3d>
-            <a:bevelT w="63500" h="25400"/>
-          </a:sp3d>
         </a:effectStyle>
       </a:effectStyleLst>
       <a:bgFillStyleLst>
         <a:solidFill>
           <a:schemeClr val="phClr"/>
         </a:solidFill>
-        <a:gradFill rotWithShape="1">
-          <a:gsLst>
-            <a:gs pos="0">
-              <a:schemeClr val="phClr">
-                <a:tint val="40000"/>
-                <a:satMod val="350000"/>
-              </a:schemeClr>
-            </a:gs>
-            <a:gs pos="40000">
-              <a:schemeClr val="phClr">
-                <a:tint val="45000"/>
-                <a:shade val="99000"/>
-                <a:satMod val="350000"/>
-              </a:schemeClr>
-            </a:gs>
-            <a:gs pos="100000">
-              <a:schemeClr val="phClr">
-                <a:shade val="20000"/>
-                <a:satMod val="255000"/>
-              </a:schemeClr>
-            </a:gs>
-          </a:gsLst>
-          <a:path path="circle">
-            <a:fillToRect l="50000" t="-80000" r="50000" b="180000"/>
-          </a:path>
-        </a:gradFill>
-        <a:gradFill rotWithShape="1">
-          <a:gsLst>
-            <a:gs pos="0">
-              <a:schemeClr val="phClr">
-                <a:tint val="80000"/>
-                <a:satMod val="300000"/>
-              </a:schemeClr>
-            </a:gs>
-            <a:gs pos="100000">
-              <a:schemeClr val="phClr">
-                <a:shade val="30000"/>
-                <a:satMod val="200000"/>
-              </a:schemeClr>
-            </a:gs>
-          </a:gsLst>
-          <a:path path="circle">
-            <a:fillToRect l="50000" t="50000" r="50000" b="50000"/>
-          </a:path>
-        </a:gradFill>
+        <a:solidFill>
+          <a:schemeClr val="phClr">
+            <a:tint val="95000"/>
+            <a:satMod val="170000"/>
+          </a:schemeClr>
+        </a:solidFill>
+        <a:solidFill>
+          <a:schemeClr val="phClr">
+            <a:shade val="95000"/>
+            <a:satMod val="170000"/>
+          </a:schemeClr>
+        </a:solidFill>
       </a:bgFillStyleLst>
     </a:fmtScheme>
   </a:themeElements>
   <a:objectDefaults/>
   <a:extraClrSchemeLst/>
+  <a:extLst>
+    <a:ext uri="{05A4C25C-085E-4340-85A3-A5531E510DB2}">
+      <thm15:themeFamily xmlns:thm15="http://schemas.microsoft.com/office/thememl/2012/main" name="Metropolitan" id="{4C5440D6-04D2-4954-96CF-F251137069B2}" vid="{79CFCA13-9412-4290-BB4B-85112F88857B}"/>
+    </a:ext>
+  </a:extLst>
 </a:theme>
 </file>
--- a/Image Compression with Neural Networks.pptx
+++ b/Image Compression with Neural Networks.pptx
@@ -14,8 +14,8 @@
     <p:sldId id="262" r:id="rId8"/>
     <p:sldId id="263" r:id="rId9"/>
     <p:sldId id="271" r:id="rId10"/>
-    <p:sldId id="264" r:id="rId11"/>
-    <p:sldId id="270" r:id="rId12"/>
+    <p:sldId id="270" r:id="rId11"/>
+    <p:sldId id="264" r:id="rId12"/>
     <p:sldId id="265" r:id="rId13"/>
     <p:sldId id="266" r:id="rId14"/>
     <p:sldId id="267" r:id="rId15"/>
@@ -3548,7 +3548,7 @@
           <a:p>
             <a:r>
               <a:rPr lang="en-US" dirty="0"/>
-              <a:t>Residual GRU</a:t>
+              <a:t>The Article</a:t>
             </a:r>
             <a:endParaRPr lang="ru-RU" dirty="0"/>
           </a:p>
@@ -3556,7 +3556,7 @@
       </p:sp>
       <p:sp>
         <p:nvSpPr>
-          <p:cNvPr id="3" name="Содержимое 2"/>
+          <p:cNvPr id="3" name="Объект 2"/>
           <p:cNvSpPr>
             <a:spLocks noGrp="1"/>
           </p:cNvSpPr>
@@ -3566,18 +3566,90 @@
         </p:nvSpPr>
         <p:spPr/>
         <p:txBody>
-          <a:bodyPr/>
-          <a:lstStyle/>
-          <a:p>
+          <a:bodyPr>
+            <a:normAutofit lnSpcReduction="10000"/>
+          </a:bodyPr>
+          <a:lstStyle/>
+          <a:p>
+            <a:r>
+              <a:rPr lang="en-US" dirty="0"/>
+              <a:t>Image Compression with Neural </a:t>
+            </a:r>
             <a:r>
               <a:rPr lang="en-US" dirty="0" smtClean="0"/>
-              <a:t>Residual GRU combines existing GRUs with the residual connections to achieve significant image quality gains for a given compression rate.</a:t>
-            </a:r>
+              <a:t>Networks</a:t>
+            </a:r>
+            <a:r>
+              <a:rPr lang="ru-RU" dirty="0" smtClean="0"/>
+              <a:t> (29.09.16)</a:t>
+            </a:r>
+          </a:p>
+          <a:p>
+            <a:r>
+              <a:rPr lang="ru-RU" dirty="0" smtClean="0"/>
+              <a:t>Авторы – </a:t>
+            </a:r>
+            <a:r>
+              <a:rPr lang="en-US" dirty="0" smtClean="0"/>
+              <a:t>Google</a:t>
+            </a:r>
+          </a:p>
+          <a:p>
+            <a:r>
+              <a:rPr lang="en-US" dirty="0"/>
+              <a:t>They introduce an </a:t>
+            </a:r>
+            <a:r>
+              <a:rPr lang="en-US" dirty="0" smtClean="0"/>
+              <a:t>new architecture </a:t>
+            </a:r>
+            <a:r>
+              <a:rPr lang="en-US" dirty="0"/>
+              <a:t>that </a:t>
+            </a:r>
+            <a:r>
+              <a:rPr lang="en-US" dirty="0" smtClean="0"/>
+              <a:t>called </a:t>
+            </a:r>
+            <a:r>
+              <a:rPr lang="en-US" dirty="0"/>
+              <a:t>Residual Gated Recurrent Unit (Residual GRU</a:t>
+            </a:r>
+            <a:r>
+              <a:rPr lang="en-US" dirty="0" smtClean="0"/>
+              <a:t>)</a:t>
+            </a:r>
+            <a:endParaRPr lang="ru-RU" dirty="0" smtClean="0"/>
+          </a:p>
+          <a:p>
+            <a:r>
+              <a:rPr lang="en-US" dirty="0"/>
+              <a:t>Our system works by iteratively refining a reconstruction of the original image, with both the encoder and decoder using Residual GRU layers so that additional information can pass from one iteration to the next. </a:t>
+            </a:r>
+            <a:endParaRPr lang="ru-RU" dirty="0" smtClean="0"/>
+          </a:p>
+          <a:p>
+            <a:r>
+              <a:rPr lang="en-US" dirty="0" smtClean="0"/>
+              <a:t>Each </a:t>
+            </a:r>
+            <a:r>
+              <a:rPr lang="en-US" dirty="0"/>
+              <a:t>iteration adds more bits to the encoding, which allows for a higher quality reconstruction.</a:t>
+            </a:r>
+            <a:endParaRPr lang="ru-RU" dirty="0" smtClean="0"/>
+          </a:p>
+          <a:p>
             <a:endParaRPr lang="ru-RU" dirty="0"/>
           </a:p>
         </p:txBody>
       </p:sp>
     </p:spTree>
+    <p:extLst>
+      <p:ext uri="{BB962C8B-B14F-4D97-AF65-F5344CB8AC3E}">
+        <p14:creationId xmlns:p14="http://schemas.microsoft.com/office/powerpoint/2010/main" val="923444099"/>
+      </p:ext>
+    </p:extLst>
   </p:cSld>
   <p:clrMapOvr>
     <a:masterClrMapping/>
@@ -3626,7 +3698,7 @@
           <a:p>
             <a:r>
               <a:rPr lang="en-US" dirty="0"/>
-              <a:t>The Article</a:t>
+              <a:t>Residual GRU</a:t>
             </a:r>
             <a:endParaRPr lang="ru-RU" dirty="0"/>
           </a:p>
@@ -3634,7 +3706,7 @@
       </p:sp>
       <p:sp>
         <p:nvSpPr>
-          <p:cNvPr id="3" name="Объект 2"/>
+          <p:cNvPr id="3" name="Содержимое 2"/>
           <p:cNvSpPr>
             <a:spLocks noGrp="1"/>
           </p:cNvSpPr>
@@ -3644,90 +3716,18 @@
         </p:nvSpPr>
         <p:spPr/>
         <p:txBody>
-          <a:bodyPr>
-            <a:normAutofit lnSpcReduction="10000"/>
-          </a:bodyPr>
-          <a:lstStyle/>
-          <a:p>
-            <a:r>
-              <a:rPr lang="en-US" dirty="0"/>
-              <a:t>Image Compression with Neural </a:t>
-            </a:r>
+          <a:bodyPr/>
+          <a:lstStyle/>
+          <a:p>
             <a:r>
               <a:rPr lang="en-US" dirty="0" smtClean="0"/>
-              <a:t>Networks</a:t>
-            </a:r>
-            <a:r>
-              <a:rPr lang="ru-RU" dirty="0" smtClean="0"/>
-              <a:t> (29.09.16)</a:t>
-            </a:r>
-          </a:p>
-          <a:p>
-            <a:r>
-              <a:rPr lang="ru-RU" dirty="0" smtClean="0"/>
-              <a:t>Авторы – </a:t>
-            </a:r>
-            <a:r>
-              <a:rPr lang="en-US" dirty="0" smtClean="0"/>
-              <a:t>Google</a:t>
-            </a:r>
-          </a:p>
-          <a:p>
-            <a:r>
-              <a:rPr lang="en-US" dirty="0"/>
-              <a:t>They introduce an </a:t>
-            </a:r>
-            <a:r>
-              <a:rPr lang="en-US" dirty="0" smtClean="0"/>
-              <a:t>new architecture </a:t>
-            </a:r>
-            <a:r>
-              <a:rPr lang="en-US" dirty="0"/>
-              <a:t>that </a:t>
-            </a:r>
-            <a:r>
-              <a:rPr lang="en-US" dirty="0" smtClean="0"/>
-              <a:t>called </a:t>
-            </a:r>
-            <a:r>
-              <a:rPr lang="en-US" dirty="0"/>
-              <a:t>Residual Gated Recurrent Unit (Residual GRU</a:t>
-            </a:r>
-            <a:r>
-              <a:rPr lang="en-US" dirty="0" smtClean="0"/>
-              <a:t>)</a:t>
-            </a:r>
-            <a:endParaRPr lang="ru-RU" dirty="0" smtClean="0"/>
-          </a:p>
-          <a:p>
-            <a:r>
-              <a:rPr lang="en-US" dirty="0"/>
-              <a:t>Our system works by iteratively refining a reconstruction of the original image, with both the encoder and decoder using Residual GRU layers so that additional information can pass from one iteration to the next. </a:t>
-            </a:r>
-            <a:endParaRPr lang="ru-RU" dirty="0" smtClean="0"/>
-          </a:p>
-          <a:p>
-            <a:r>
-              <a:rPr lang="en-US" dirty="0" smtClean="0"/>
-              <a:t>Each </a:t>
-            </a:r>
-            <a:r>
-              <a:rPr lang="en-US" dirty="0"/>
-              <a:t>iteration adds more bits to the encoding, which allows for a higher quality reconstruction.</a:t>
-            </a:r>
-            <a:endParaRPr lang="ru-RU" dirty="0" smtClean="0"/>
-          </a:p>
-          <a:p>
+              <a:t>Residual GRU combines existing GRUs with the residual connections to achieve significant image quality gains for a given compression rate.</a:t>
+            </a:r>
             <a:endParaRPr lang="ru-RU" dirty="0"/>
           </a:p>
         </p:txBody>
       </p:sp>
     </p:spTree>
-    <p:extLst>
-      <p:ext uri="{BB962C8B-B14F-4D97-AF65-F5344CB8AC3E}">
-        <p14:creationId xmlns:p14="http://schemas.microsoft.com/office/powerpoint/2010/main" val="923444099"/>
-      </p:ext>
-    </p:extLst>
   </p:cSld>
   <p:clrMapOvr>
     <a:masterClrMapping/>
@@ -5112,8 +5112,8 @@
         </p:blipFill>
         <p:spPr>
           <a:xfrm>
-            <a:off x="1500981" y="2166937"/>
-            <a:ext cx="6076950" cy="3419475"/>
+            <a:off x="376208" y="412828"/>
+            <a:ext cx="8313001" cy="5968500"/>
           </a:xfrm>
         </p:spPr>
       </p:pic>
